--- a/kurs/ai-for-nybegynnere/modul5-avslutning/modul5.pptx
+++ b/kurs/ai-for-nybegynnere/modul5-avslutning/modul5.pptx
@@ -1835,42 +1835,6 @@
   <dgm:ptLst>
     <dgm:pt modelId="{F14BE1A8-BF29-4B39-B1B5-BB74EE4F7762}" type="doc">
       <dgm:prSet loTypeId="urn:microsoft.com/office/officeart/2005/8/layout/vList2" loCatId="list" qsTypeId="urn:microsoft.com/office/officeart/2005/8/quickstyle/simple4" qsCatId="simple" csTypeId="urn:microsoft.com/office/officeart/2005/8/colors/colorful5" csCatId="colorful"/>
-      <dgm:spPr/>
-      <dgm:t>
-        <a:bodyPr/>
-        <a:lstStyle/>
-        <a:p>
-          <a:endParaRPr lang="en-US"/>
-        </a:p>
-      </dgm:t>
-    </dgm:pt>
-    <dgm:pt modelId="{C66BAFC2-4E11-45F1-BE51-8B1DBE3A2075}">
-      <dgm:prSet/>
-      <dgm:spPr/>
-      <dgm:t>
-        <a:bodyPr/>
-        <a:lstStyle/>
-        <a:p>
-          <a:r>
-            <a:rPr lang="en-US"/>
-            <a:t>-------------------</a:t>
-          </a:r>
-        </a:p>
-      </dgm:t>
-    </dgm:pt>
-    <dgm:pt modelId="{9EC3FF0B-6792-402F-B7F3-4E8F7BFD5FD9}" type="parTrans" cxnId="{8B680F3E-FA6E-4127-BD5D-B4F6018B52C3}">
-      <dgm:prSet/>
-      <dgm:spPr/>
-      <dgm:t>
-        <a:bodyPr/>
-        <a:lstStyle/>
-        <a:p>
-          <a:endParaRPr lang="en-US"/>
-        </a:p>
-      </dgm:t>
-    </dgm:pt>
-    <dgm:pt modelId="{CCF75062-0976-4E3D-8014-01B86586E4B6}" type="sibTrans" cxnId="{8B680F3E-FA6E-4127-BD5D-B4F6018B52C3}">
-      <dgm:prSet/>
       <dgm:spPr/>
       <dgm:t>
         <a:bodyPr/>
@@ -2033,21 +1997,8 @@
       </dgm:prSet>
       <dgm:spPr/>
     </dgm:pt>
-    <dgm:pt modelId="{AB2F5582-958B-4F89-994B-A5A391F5C85F}" type="pres">
-      <dgm:prSet presAssocID="{C66BAFC2-4E11-45F1-BE51-8B1DBE3A2075}" presName="parentText" presStyleLbl="node1" presStyleIdx="0" presStyleCnt="5">
-        <dgm:presLayoutVars>
-          <dgm:chMax val="0"/>
-          <dgm:bulletEnabled val="1"/>
-        </dgm:presLayoutVars>
-      </dgm:prSet>
-      <dgm:spPr/>
-    </dgm:pt>
-    <dgm:pt modelId="{8BC3098E-FFA6-4EFA-9D59-F80E24FBD2E7}" type="pres">
-      <dgm:prSet presAssocID="{CCF75062-0976-4E3D-8014-01B86586E4B6}" presName="spacer" presStyleCnt="0"/>
-      <dgm:spPr/>
-    </dgm:pt>
     <dgm:pt modelId="{196A4414-509C-4C5B-989C-4809BD0F2D85}" type="pres">
-      <dgm:prSet presAssocID="{B434A645-7B8E-4C1B-8173-A4933619B44E}" presName="parentText" presStyleLbl="node1" presStyleIdx="1" presStyleCnt="5">
+      <dgm:prSet presAssocID="{B434A645-7B8E-4C1B-8173-A4933619B44E}" presName="parentText" presStyleLbl="node1" presStyleIdx="0" presStyleCnt="4">
         <dgm:presLayoutVars>
           <dgm:chMax val="0"/>
           <dgm:bulletEnabled val="1"/>
@@ -2060,7 +2011,7 @@
       <dgm:spPr/>
     </dgm:pt>
     <dgm:pt modelId="{AF73574A-3FE1-4E80-8C73-32143D0578C8}" type="pres">
-      <dgm:prSet presAssocID="{A183B1FC-8BFB-44E0-8A72-1A5AC1DA8250}" presName="parentText" presStyleLbl="node1" presStyleIdx="2" presStyleCnt="5">
+      <dgm:prSet presAssocID="{A183B1FC-8BFB-44E0-8A72-1A5AC1DA8250}" presName="parentText" presStyleLbl="node1" presStyleIdx="1" presStyleCnt="4">
         <dgm:presLayoutVars>
           <dgm:chMax val="0"/>
           <dgm:bulletEnabled val="1"/>
@@ -2073,7 +2024,7 @@
       <dgm:spPr/>
     </dgm:pt>
     <dgm:pt modelId="{5C3D117C-0BDE-4C68-941A-D8F284E7D1E9}" type="pres">
-      <dgm:prSet presAssocID="{CD05CE2E-0201-482F-80DC-3DA3CBF5CB8A}" presName="parentText" presStyleLbl="node1" presStyleIdx="3" presStyleCnt="5">
+      <dgm:prSet presAssocID="{CD05CE2E-0201-482F-80DC-3DA3CBF5CB8A}" presName="parentText" presStyleLbl="node1" presStyleIdx="2" presStyleCnt="4">
         <dgm:presLayoutVars>
           <dgm:chMax val="0"/>
           <dgm:bulletEnabled val="1"/>
@@ -2086,7 +2037,7 @@
       <dgm:spPr/>
     </dgm:pt>
     <dgm:pt modelId="{35116424-29A7-4B0C-AD29-02F187F668CF}" type="pres">
-      <dgm:prSet presAssocID="{02E3D092-B4D2-45C0-9E03-2E167717F0CF}" presName="parentText" presStyleLbl="node1" presStyleIdx="4" presStyleCnt="5">
+      <dgm:prSet presAssocID="{02E3D092-B4D2-45C0-9E03-2E167717F0CF}" presName="parentText" presStyleLbl="node1" presStyleIdx="3" presStyleCnt="4">
         <dgm:presLayoutVars>
           <dgm:chMax val="0"/>
           <dgm:bulletEnabled val="1"/>
@@ -2097,25 +2048,21 @@
   </dgm:ptLst>
   <dgm:cxnLst>
     <dgm:cxn modelId="{FC804C25-625D-469F-A458-C23B98A5A6C5}" type="presOf" srcId="{B434A645-7B8E-4C1B-8173-A4933619B44E}" destId="{196A4414-509C-4C5B-989C-4809BD0F2D85}" srcOrd="0" destOrd="0" presId="urn:microsoft.com/office/officeart/2005/8/layout/vList2"/>
-    <dgm:cxn modelId="{8B680F3E-FA6E-4127-BD5D-B4F6018B52C3}" srcId="{F14BE1A8-BF29-4B39-B1B5-BB74EE4F7762}" destId="{C66BAFC2-4E11-45F1-BE51-8B1DBE3A2075}" srcOrd="0" destOrd="0" parTransId="{9EC3FF0B-6792-402F-B7F3-4E8F7BFD5FD9}" sibTransId="{CCF75062-0976-4E3D-8014-01B86586E4B6}"/>
-    <dgm:cxn modelId="{9DBBE062-3378-42BF-991E-6B336A4CDC9D}" srcId="{F14BE1A8-BF29-4B39-B1B5-BB74EE4F7762}" destId="{CD05CE2E-0201-482F-80DC-3DA3CBF5CB8A}" srcOrd="3" destOrd="0" parTransId="{1F93D79F-20C9-4E3F-BF9A-D44BB5C14EB5}" sibTransId="{C4B0653F-DBFC-40D7-9D04-6155B3E89582}"/>
+    <dgm:cxn modelId="{9DBBE062-3378-42BF-991E-6B336A4CDC9D}" srcId="{F14BE1A8-BF29-4B39-B1B5-BB74EE4F7762}" destId="{CD05CE2E-0201-482F-80DC-3DA3CBF5CB8A}" srcOrd="2" destOrd="0" parTransId="{1F93D79F-20C9-4E3F-BF9A-D44BB5C14EB5}" sibTransId="{C4B0653F-DBFC-40D7-9D04-6155B3E89582}"/>
     <dgm:cxn modelId="{69F7FF65-F88D-43AD-8B93-B8EBCAD63F66}" type="presOf" srcId="{CD05CE2E-0201-482F-80DC-3DA3CBF5CB8A}" destId="{5C3D117C-0BDE-4C68-941A-D8F284E7D1E9}" srcOrd="0" destOrd="0" presId="urn:microsoft.com/office/officeart/2005/8/layout/vList2"/>
     <dgm:cxn modelId="{33DBFF6E-1852-4C9C-BC78-6D2AC84766DD}" type="presOf" srcId="{A183B1FC-8BFB-44E0-8A72-1A5AC1DA8250}" destId="{AF73574A-3FE1-4E80-8C73-32143D0578C8}" srcOrd="0" destOrd="0" presId="urn:microsoft.com/office/officeart/2005/8/layout/vList2"/>
-    <dgm:cxn modelId="{B5D5187C-52A3-4889-98C9-9D5C01AB9375}" srcId="{F14BE1A8-BF29-4B39-B1B5-BB74EE4F7762}" destId="{A183B1FC-8BFB-44E0-8A72-1A5AC1DA8250}" srcOrd="2" destOrd="0" parTransId="{BCB750D1-783D-4894-8604-17B2F3D406EE}" sibTransId="{41277384-7633-46CD-B969-39993116D14E}"/>
+    <dgm:cxn modelId="{B5D5187C-52A3-4889-98C9-9D5C01AB9375}" srcId="{F14BE1A8-BF29-4B39-B1B5-BB74EE4F7762}" destId="{A183B1FC-8BFB-44E0-8A72-1A5AC1DA8250}" srcOrd="1" destOrd="0" parTransId="{BCB750D1-783D-4894-8604-17B2F3D406EE}" sibTransId="{41277384-7633-46CD-B969-39993116D14E}"/>
     <dgm:cxn modelId="{EFAD6D8F-A432-497B-A349-810D44B4820B}" type="presOf" srcId="{F14BE1A8-BF29-4B39-B1B5-BB74EE4F7762}" destId="{D2939ACF-C798-4FFA-890A-EA4E57D01B08}" srcOrd="0" destOrd="0" presId="urn:microsoft.com/office/officeart/2005/8/layout/vList2"/>
-    <dgm:cxn modelId="{3C1A1F90-E25F-4459-A759-EF26E3DB22B3}" type="presOf" srcId="{C66BAFC2-4E11-45F1-BE51-8B1DBE3A2075}" destId="{AB2F5582-958B-4F89-994B-A5A391F5C85F}" srcOrd="0" destOrd="0" presId="urn:microsoft.com/office/officeart/2005/8/layout/vList2"/>
-    <dgm:cxn modelId="{818FE2BB-ADDB-4784-BB2E-D76EAF041CFA}" srcId="{F14BE1A8-BF29-4B39-B1B5-BB74EE4F7762}" destId="{B434A645-7B8E-4C1B-8173-A4933619B44E}" srcOrd="1" destOrd="0" parTransId="{72266116-6988-4053-B08C-BC9BAB8CB9E7}" sibTransId="{B8039E72-79AC-488D-A62E-259CEAF5F640}"/>
-    <dgm:cxn modelId="{57BA0FD8-CFE0-43F4-96CE-8CA51826202D}" srcId="{F14BE1A8-BF29-4B39-B1B5-BB74EE4F7762}" destId="{02E3D092-B4D2-45C0-9E03-2E167717F0CF}" srcOrd="4" destOrd="0" parTransId="{7B89944A-7CA9-4A87-B3A7-033B536902C3}" sibTransId="{E44885DB-47A1-49FB-89AE-AE8580086897}"/>
+    <dgm:cxn modelId="{818FE2BB-ADDB-4784-BB2E-D76EAF041CFA}" srcId="{F14BE1A8-BF29-4B39-B1B5-BB74EE4F7762}" destId="{B434A645-7B8E-4C1B-8173-A4933619B44E}" srcOrd="0" destOrd="0" parTransId="{72266116-6988-4053-B08C-BC9BAB8CB9E7}" sibTransId="{B8039E72-79AC-488D-A62E-259CEAF5F640}"/>
+    <dgm:cxn modelId="{57BA0FD8-CFE0-43F4-96CE-8CA51826202D}" srcId="{F14BE1A8-BF29-4B39-B1B5-BB74EE4F7762}" destId="{02E3D092-B4D2-45C0-9E03-2E167717F0CF}" srcOrd="3" destOrd="0" parTransId="{7B89944A-7CA9-4A87-B3A7-033B536902C3}" sibTransId="{E44885DB-47A1-49FB-89AE-AE8580086897}"/>
     <dgm:cxn modelId="{E17721E9-7B0C-4506-98A6-1A01BDE37155}" type="presOf" srcId="{02E3D092-B4D2-45C0-9E03-2E167717F0CF}" destId="{35116424-29A7-4B0C-AD29-02F187F668CF}" srcOrd="0" destOrd="0" presId="urn:microsoft.com/office/officeart/2005/8/layout/vList2"/>
-    <dgm:cxn modelId="{AE5E04F2-CF7E-4EB5-9391-55C5EFFCBB95}" type="presParOf" srcId="{D2939ACF-C798-4FFA-890A-EA4E57D01B08}" destId="{AB2F5582-958B-4F89-994B-A5A391F5C85F}" srcOrd="0" destOrd="0" presId="urn:microsoft.com/office/officeart/2005/8/layout/vList2"/>
-    <dgm:cxn modelId="{6C6BF202-F457-4A48-BA54-F2C38C80BE4E}" type="presParOf" srcId="{D2939ACF-C798-4FFA-890A-EA4E57D01B08}" destId="{8BC3098E-FFA6-4EFA-9D59-F80E24FBD2E7}" srcOrd="1" destOrd="0" presId="urn:microsoft.com/office/officeart/2005/8/layout/vList2"/>
-    <dgm:cxn modelId="{C7B929A6-ACA4-478E-945F-8F58AFDE3CF8}" type="presParOf" srcId="{D2939ACF-C798-4FFA-890A-EA4E57D01B08}" destId="{196A4414-509C-4C5B-989C-4809BD0F2D85}" srcOrd="2" destOrd="0" presId="urn:microsoft.com/office/officeart/2005/8/layout/vList2"/>
-    <dgm:cxn modelId="{5C2C6297-BB04-4F5F-BA1E-3B02192BF9F8}" type="presParOf" srcId="{D2939ACF-C798-4FFA-890A-EA4E57D01B08}" destId="{BE149B63-7CA3-4307-AC7C-2F0E03D6B27B}" srcOrd="3" destOrd="0" presId="urn:microsoft.com/office/officeart/2005/8/layout/vList2"/>
-    <dgm:cxn modelId="{95B1213A-CC45-4FE0-9724-03F7D11F728F}" type="presParOf" srcId="{D2939ACF-C798-4FFA-890A-EA4E57D01B08}" destId="{AF73574A-3FE1-4E80-8C73-32143D0578C8}" srcOrd="4" destOrd="0" presId="urn:microsoft.com/office/officeart/2005/8/layout/vList2"/>
-    <dgm:cxn modelId="{4A75C969-9D72-4C01-85A1-5AF0072A18BB}" type="presParOf" srcId="{D2939ACF-C798-4FFA-890A-EA4E57D01B08}" destId="{3A18E8C8-3661-483A-A7DA-C2DAE94727E0}" srcOrd="5" destOrd="0" presId="urn:microsoft.com/office/officeart/2005/8/layout/vList2"/>
-    <dgm:cxn modelId="{92EAD04E-1336-4724-9831-DB9ACE3F2375}" type="presParOf" srcId="{D2939ACF-C798-4FFA-890A-EA4E57D01B08}" destId="{5C3D117C-0BDE-4C68-941A-D8F284E7D1E9}" srcOrd="6" destOrd="0" presId="urn:microsoft.com/office/officeart/2005/8/layout/vList2"/>
-    <dgm:cxn modelId="{68D741CB-51B4-41BC-911B-B522E74C1E62}" type="presParOf" srcId="{D2939ACF-C798-4FFA-890A-EA4E57D01B08}" destId="{59259B72-455B-4754-9E13-19C1801D9C9B}" srcOrd="7" destOrd="0" presId="urn:microsoft.com/office/officeart/2005/8/layout/vList2"/>
-    <dgm:cxn modelId="{4FBBA650-D302-47FA-BFAD-100B5B72A1A9}" type="presParOf" srcId="{D2939ACF-C798-4FFA-890A-EA4E57D01B08}" destId="{35116424-29A7-4B0C-AD29-02F187F668CF}" srcOrd="8" destOrd="0" presId="urn:microsoft.com/office/officeart/2005/8/layout/vList2"/>
+    <dgm:cxn modelId="{C7B929A6-ACA4-478E-945F-8F58AFDE3CF8}" type="presParOf" srcId="{D2939ACF-C798-4FFA-890A-EA4E57D01B08}" destId="{196A4414-509C-4C5B-989C-4809BD0F2D85}" srcOrd="0" destOrd="0" presId="urn:microsoft.com/office/officeart/2005/8/layout/vList2"/>
+    <dgm:cxn modelId="{5C2C6297-BB04-4F5F-BA1E-3B02192BF9F8}" type="presParOf" srcId="{D2939ACF-C798-4FFA-890A-EA4E57D01B08}" destId="{BE149B63-7CA3-4307-AC7C-2F0E03D6B27B}" srcOrd="1" destOrd="0" presId="urn:microsoft.com/office/officeart/2005/8/layout/vList2"/>
+    <dgm:cxn modelId="{95B1213A-CC45-4FE0-9724-03F7D11F728F}" type="presParOf" srcId="{D2939ACF-C798-4FFA-890A-EA4E57D01B08}" destId="{AF73574A-3FE1-4E80-8C73-32143D0578C8}" srcOrd="2" destOrd="0" presId="urn:microsoft.com/office/officeart/2005/8/layout/vList2"/>
+    <dgm:cxn modelId="{4A75C969-9D72-4C01-85A1-5AF0072A18BB}" type="presParOf" srcId="{D2939ACF-C798-4FFA-890A-EA4E57D01B08}" destId="{3A18E8C8-3661-483A-A7DA-C2DAE94727E0}" srcOrd="3" destOrd="0" presId="urn:microsoft.com/office/officeart/2005/8/layout/vList2"/>
+    <dgm:cxn modelId="{92EAD04E-1336-4724-9831-DB9ACE3F2375}" type="presParOf" srcId="{D2939ACF-C798-4FFA-890A-EA4E57D01B08}" destId="{5C3D117C-0BDE-4C68-941A-D8F284E7D1E9}" srcOrd="4" destOrd="0" presId="urn:microsoft.com/office/officeart/2005/8/layout/vList2"/>
+    <dgm:cxn modelId="{68D741CB-51B4-41BC-911B-B522E74C1E62}" type="presParOf" srcId="{D2939ACF-C798-4FFA-890A-EA4E57D01B08}" destId="{59259B72-455B-4754-9E13-19C1801D9C9B}" srcOrd="5" destOrd="0" presId="urn:microsoft.com/office/officeart/2005/8/layout/vList2"/>
+    <dgm:cxn modelId="{4FBBA650-D302-47FA-BFAD-100B5B72A1A9}" type="presParOf" srcId="{D2939ACF-C798-4FFA-890A-EA4E57D01B08}" destId="{35116424-29A7-4B0C-AD29-02F187F668CF}" srcOrd="6" destOrd="0" presId="urn:microsoft.com/office/officeart/2005/8/layout/vList2"/>
   </dgm:cxnLst>
   <dgm:bg/>
   <dgm:whole/>
@@ -2141,42 +2088,6 @@
         </a:p>
       </dgm:t>
     </dgm:pt>
-    <dgm:pt modelId="{DCA48D0B-DFB0-4331-B877-340DA76E316A}">
-      <dgm:prSet/>
-      <dgm:spPr/>
-      <dgm:t>
-        <a:bodyPr/>
-        <a:lstStyle/>
-        <a:p>
-          <a:r>
-            <a:rPr lang="en-US"/>
-            <a:t>----------------</a:t>
-          </a:r>
-        </a:p>
-      </dgm:t>
-    </dgm:pt>
-    <dgm:pt modelId="{317D1869-E049-4714-9032-9693C998AC0A}" type="parTrans" cxnId="{AD0946C2-604D-459D-9EAC-F04B2265DD86}">
-      <dgm:prSet/>
-      <dgm:spPr/>
-      <dgm:t>
-        <a:bodyPr/>
-        <a:lstStyle/>
-        <a:p>
-          <a:endParaRPr lang="en-US"/>
-        </a:p>
-      </dgm:t>
-    </dgm:pt>
-    <dgm:pt modelId="{B6049CEF-2420-4A85-AF70-4AC5FF976F2D}" type="sibTrans" cxnId="{AD0946C2-604D-459D-9EAC-F04B2265DD86}">
-      <dgm:prSet/>
-      <dgm:spPr/>
-      <dgm:t>
-        <a:bodyPr/>
-        <a:lstStyle/>
-        <a:p>
-          <a:endParaRPr lang="en-US"/>
-        </a:p>
-      </dgm:t>
-    </dgm:pt>
     <dgm:pt modelId="{DD10D249-BD4E-43EB-B380-6B6CDD65CE4A}">
       <dgm:prSet/>
       <dgm:spPr/>
@@ -2184,6 +2095,11 @@
         <a:bodyPr/>
         <a:lstStyle/>
         <a:p>
+          <a:pPr>
+            <a:lnSpc>
+              <a:spcPct val="100000"/>
+            </a:lnSpc>
+          </a:pPr>
           <a:r>
             <a:rPr lang="en-US"/>
             <a:t>- Prøv å bruke ChatGPT i små oppgaver daglig</a:t>
@@ -2220,6 +2136,11 @@
         <a:bodyPr/>
         <a:lstStyle/>
         <a:p>
+          <a:pPr>
+            <a:lnSpc>
+              <a:spcPct val="100000"/>
+            </a:lnSpc>
+          </a:pPr>
           <a:r>
             <a:rPr lang="en-US"/>
             <a:t>- Utforsk Canva AI eller Notion AI videre</a:t>
@@ -2256,6 +2177,11 @@
         <a:bodyPr/>
         <a:lstStyle/>
         <a:p>
+          <a:pPr>
+            <a:lnSpc>
+              <a:spcPct val="100000"/>
+            </a:lnSpc>
+          </a:pPr>
           <a:r>
             <a:rPr lang="en-US"/>
             <a:t>- Meld deg på nyhetsbrev eller følg AI-kanaler</a:t>
@@ -2294,16 +2220,16 @@
       </dgm:prSet>
       <dgm:spPr/>
     </dgm:pt>
-    <dgm:pt modelId="{383C9BAF-C4FB-4AE1-BB3E-A904B02FC440}" type="pres">
-      <dgm:prSet presAssocID="{DCA48D0B-DFB0-4331-B877-340DA76E316A}" presName="compNode" presStyleCnt="0"/>
+    <dgm:pt modelId="{FA31D7FC-5C84-46CD-B390-1E7BDF564151}" type="pres">
+      <dgm:prSet presAssocID="{DD10D249-BD4E-43EB-B380-6B6CDD65CE4A}" presName="compNode" presStyleCnt="0"/>
       <dgm:spPr/>
     </dgm:pt>
-    <dgm:pt modelId="{8B397972-A0FE-43C4-BA84-DF5A2E92514F}" type="pres">
-      <dgm:prSet presAssocID="{DCA48D0B-DFB0-4331-B877-340DA76E316A}" presName="bgRect" presStyleLbl="bgShp" presStyleIdx="0" presStyleCnt="4"/>
+    <dgm:pt modelId="{E26B792B-6E30-435A-BB3F-A79EF54BE4A3}" type="pres">
+      <dgm:prSet presAssocID="{DD10D249-BD4E-43EB-B380-6B6CDD65CE4A}" presName="bgRect" presStyleLbl="bgShp" presStyleIdx="0" presStyleCnt="3"/>
       <dgm:spPr/>
     </dgm:pt>
-    <dgm:pt modelId="{7AE573C0-A1E9-425B-9777-0621EC17CA2D}" type="pres">
-      <dgm:prSet presAssocID="{DCA48D0B-DFB0-4331-B877-340DA76E316A}" presName="iconRect" presStyleLbl="node1" presStyleIdx="0" presStyleCnt="4"/>
+    <dgm:pt modelId="{BF1CF15C-67B8-4678-9CE1-94BDD6551753}" type="pres">
+      <dgm:prSet presAssocID="{DD10D249-BD4E-43EB-B380-6B6CDD65CE4A}" presName="iconRect" presStyleLbl="node1" presStyleIdx="0" presStyleCnt="3"/>
       <dgm:spPr>
         <a:blipFill>
           <a:blip xmlns:r="http://schemas.openxmlformats.org/officeDocument/2006/relationships" r:embed="rId1">
@@ -2326,16 +2252,16 @@
       </dgm:spPr>
       <dgm:extLst>
         <a:ext uri="{E40237B7-FDA0-4F09-8148-C483321AD2D9}">
-          <dgm14:cNvPr xmlns:dgm14="http://schemas.microsoft.com/office/drawing/2010/diagram" id="0" name="" descr="Credit card"/>
+          <dgm14:cNvPr xmlns:dgm14="http://schemas.microsoft.com/office/drawing/2010/diagram" id="0" name="" descr="Head with Gears"/>
         </a:ext>
       </dgm:extLst>
     </dgm:pt>
-    <dgm:pt modelId="{FAFAB65A-86C2-4FDD-8EAE-1810E7E13BF9}" type="pres">
-      <dgm:prSet presAssocID="{DCA48D0B-DFB0-4331-B877-340DA76E316A}" presName="spaceRect" presStyleCnt="0"/>
+    <dgm:pt modelId="{B36C7969-7D9B-4DB6-9578-0FB91CD3DF7D}" type="pres">
+      <dgm:prSet presAssocID="{DD10D249-BD4E-43EB-B380-6B6CDD65CE4A}" presName="spaceRect" presStyleCnt="0"/>
       <dgm:spPr/>
     </dgm:pt>
-    <dgm:pt modelId="{331BE5C6-A402-4158-92E0-6840432095C9}" type="pres">
-      <dgm:prSet presAssocID="{DCA48D0B-DFB0-4331-B877-340DA76E316A}" presName="parTx" presStyleLbl="revTx" presStyleIdx="0" presStyleCnt="4">
+    <dgm:pt modelId="{1CC9FB53-6FF7-4E18-9C81-14FFD92EB5FA}" type="pres">
+      <dgm:prSet presAssocID="{DD10D249-BD4E-43EB-B380-6B6CDD65CE4A}" presName="parTx" presStyleLbl="revTx" presStyleIdx="0" presStyleCnt="3">
         <dgm:presLayoutVars>
           <dgm:chMax val="0"/>
           <dgm:chPref val="0"/>
@@ -2343,20 +2269,20 @@
       </dgm:prSet>
       <dgm:spPr/>
     </dgm:pt>
-    <dgm:pt modelId="{76CC6573-EE5D-4B91-86AB-5F0A9700AAC8}" type="pres">
-      <dgm:prSet presAssocID="{B6049CEF-2420-4A85-AF70-4AC5FF976F2D}" presName="sibTrans" presStyleCnt="0"/>
+    <dgm:pt modelId="{27CC4F04-32AC-4B55-A49C-D33A292861D7}" type="pres">
+      <dgm:prSet presAssocID="{6E69E3D7-164E-42BA-9F0D-49E39A09FEEA}" presName="sibTrans" presStyleCnt="0"/>
       <dgm:spPr/>
     </dgm:pt>
-    <dgm:pt modelId="{FA31D7FC-5C84-46CD-B390-1E7BDF564151}" type="pres">
-      <dgm:prSet presAssocID="{DD10D249-BD4E-43EB-B380-6B6CDD65CE4A}" presName="compNode" presStyleCnt="0"/>
+    <dgm:pt modelId="{6614B05A-AC6E-4704-B189-62CAAB6322E0}" type="pres">
+      <dgm:prSet presAssocID="{31D02C88-985F-445D-8FE4-5FA58DBEC515}" presName="compNode" presStyleCnt="0"/>
       <dgm:spPr/>
     </dgm:pt>
-    <dgm:pt modelId="{E26B792B-6E30-435A-BB3F-A79EF54BE4A3}" type="pres">
-      <dgm:prSet presAssocID="{DD10D249-BD4E-43EB-B380-6B6CDD65CE4A}" presName="bgRect" presStyleLbl="bgShp" presStyleIdx="1" presStyleCnt="4"/>
+    <dgm:pt modelId="{22F303B8-6D48-409D-9A23-55371D32010F}" type="pres">
+      <dgm:prSet presAssocID="{31D02C88-985F-445D-8FE4-5FA58DBEC515}" presName="bgRect" presStyleLbl="bgShp" presStyleIdx="1" presStyleCnt="3"/>
       <dgm:spPr/>
     </dgm:pt>
-    <dgm:pt modelId="{BF1CF15C-67B8-4678-9CE1-94BDD6551753}" type="pres">
-      <dgm:prSet presAssocID="{DD10D249-BD4E-43EB-B380-6B6CDD65CE4A}" presName="iconRect" presStyleLbl="node1" presStyleIdx="1" presStyleCnt="4"/>
+    <dgm:pt modelId="{B075977C-1DD2-4CBA-82BC-475261BCF503}" type="pres">
+      <dgm:prSet presAssocID="{31D02C88-985F-445D-8FE4-5FA58DBEC515}" presName="iconRect" presStyleLbl="node1" presStyleIdx="1" presStyleCnt="3"/>
       <dgm:spPr>
         <a:blipFill>
           <a:blip xmlns:r="http://schemas.openxmlformats.org/officeDocument/2006/relationships" r:embed="rId3">
@@ -2379,16 +2305,16 @@
       </dgm:spPr>
       <dgm:extLst>
         <a:ext uri="{E40237B7-FDA0-4F09-8148-C483321AD2D9}">
-          <dgm14:cNvPr xmlns:dgm14="http://schemas.microsoft.com/office/drawing/2010/diagram" id="0" name="" descr="Head with Gears"/>
+          <dgm14:cNvPr xmlns:dgm14="http://schemas.microsoft.com/office/drawing/2010/diagram" id="0" name="" descr="Brain in head"/>
         </a:ext>
       </dgm:extLst>
     </dgm:pt>
-    <dgm:pt modelId="{B36C7969-7D9B-4DB6-9578-0FB91CD3DF7D}" type="pres">
-      <dgm:prSet presAssocID="{DD10D249-BD4E-43EB-B380-6B6CDD65CE4A}" presName="spaceRect" presStyleCnt="0"/>
+    <dgm:pt modelId="{875A82A5-912B-4914-83A0-3106A10CCE85}" type="pres">
+      <dgm:prSet presAssocID="{31D02C88-985F-445D-8FE4-5FA58DBEC515}" presName="spaceRect" presStyleCnt="0"/>
       <dgm:spPr/>
     </dgm:pt>
-    <dgm:pt modelId="{1CC9FB53-6FF7-4E18-9C81-14FFD92EB5FA}" type="pres">
-      <dgm:prSet presAssocID="{DD10D249-BD4E-43EB-B380-6B6CDD65CE4A}" presName="parTx" presStyleLbl="revTx" presStyleIdx="1" presStyleCnt="4">
+    <dgm:pt modelId="{55D269B9-4D59-4DFD-A7B0-479620EDD71D}" type="pres">
+      <dgm:prSet presAssocID="{31D02C88-985F-445D-8FE4-5FA58DBEC515}" presName="parTx" presStyleLbl="revTx" presStyleIdx="1" presStyleCnt="3">
         <dgm:presLayoutVars>
           <dgm:chMax val="0"/>
           <dgm:chPref val="0"/>
@@ -2396,20 +2322,20 @@
       </dgm:prSet>
       <dgm:spPr/>
     </dgm:pt>
-    <dgm:pt modelId="{27CC4F04-32AC-4B55-A49C-D33A292861D7}" type="pres">
-      <dgm:prSet presAssocID="{6E69E3D7-164E-42BA-9F0D-49E39A09FEEA}" presName="sibTrans" presStyleCnt="0"/>
+    <dgm:pt modelId="{A5B7C306-89A1-48D1-BB57-64028F4B6536}" type="pres">
+      <dgm:prSet presAssocID="{07289643-8ABA-4E83-955A-7ABB67F0442E}" presName="sibTrans" presStyleCnt="0"/>
       <dgm:spPr/>
     </dgm:pt>
-    <dgm:pt modelId="{6614B05A-AC6E-4704-B189-62CAAB6322E0}" type="pres">
-      <dgm:prSet presAssocID="{31D02C88-985F-445D-8FE4-5FA58DBEC515}" presName="compNode" presStyleCnt="0"/>
+    <dgm:pt modelId="{4719179E-41FB-4D8E-BA28-6485C953409C}" type="pres">
+      <dgm:prSet presAssocID="{1EA33570-F28E-4EE0-90AD-1F97EFA960B2}" presName="compNode" presStyleCnt="0"/>
       <dgm:spPr/>
     </dgm:pt>
-    <dgm:pt modelId="{22F303B8-6D48-409D-9A23-55371D32010F}" type="pres">
-      <dgm:prSet presAssocID="{31D02C88-985F-445D-8FE4-5FA58DBEC515}" presName="bgRect" presStyleLbl="bgShp" presStyleIdx="2" presStyleCnt="4"/>
+    <dgm:pt modelId="{8D795D36-2257-430D-99DC-9053ECFF3C9B}" type="pres">
+      <dgm:prSet presAssocID="{1EA33570-F28E-4EE0-90AD-1F97EFA960B2}" presName="bgRect" presStyleLbl="bgShp" presStyleIdx="2" presStyleCnt="3"/>
       <dgm:spPr/>
     </dgm:pt>
-    <dgm:pt modelId="{B075977C-1DD2-4CBA-82BC-475261BCF503}" type="pres">
-      <dgm:prSet presAssocID="{31D02C88-985F-445D-8FE4-5FA58DBEC515}" presName="iconRect" presStyleLbl="node1" presStyleIdx="2" presStyleCnt="4"/>
+    <dgm:pt modelId="{AA456E12-2766-4C0B-912A-C2D5B3D1C8ED}" type="pres">
+      <dgm:prSet presAssocID="{1EA33570-F28E-4EE0-90AD-1F97EFA960B2}" presName="iconRect" presStyleLbl="node1" presStyleIdx="2" presStyleCnt="3"/>
       <dgm:spPr>
         <a:blipFill>
           <a:blip xmlns:r="http://schemas.openxmlformats.org/officeDocument/2006/relationships" r:embed="rId5">
@@ -2432,59 +2358,6 @@
       </dgm:spPr>
       <dgm:extLst>
         <a:ext uri="{E40237B7-FDA0-4F09-8148-C483321AD2D9}">
-          <dgm14:cNvPr xmlns:dgm14="http://schemas.microsoft.com/office/drawing/2010/diagram" id="0" name="" descr="Brain in head"/>
-        </a:ext>
-      </dgm:extLst>
-    </dgm:pt>
-    <dgm:pt modelId="{875A82A5-912B-4914-83A0-3106A10CCE85}" type="pres">
-      <dgm:prSet presAssocID="{31D02C88-985F-445D-8FE4-5FA58DBEC515}" presName="spaceRect" presStyleCnt="0"/>
-      <dgm:spPr/>
-    </dgm:pt>
-    <dgm:pt modelId="{55D269B9-4D59-4DFD-A7B0-479620EDD71D}" type="pres">
-      <dgm:prSet presAssocID="{31D02C88-985F-445D-8FE4-5FA58DBEC515}" presName="parTx" presStyleLbl="revTx" presStyleIdx="2" presStyleCnt="4">
-        <dgm:presLayoutVars>
-          <dgm:chMax val="0"/>
-          <dgm:chPref val="0"/>
-        </dgm:presLayoutVars>
-      </dgm:prSet>
-      <dgm:spPr/>
-    </dgm:pt>
-    <dgm:pt modelId="{A5B7C306-89A1-48D1-BB57-64028F4B6536}" type="pres">
-      <dgm:prSet presAssocID="{07289643-8ABA-4E83-955A-7ABB67F0442E}" presName="sibTrans" presStyleCnt="0"/>
-      <dgm:spPr/>
-    </dgm:pt>
-    <dgm:pt modelId="{4719179E-41FB-4D8E-BA28-6485C953409C}" type="pres">
-      <dgm:prSet presAssocID="{1EA33570-F28E-4EE0-90AD-1F97EFA960B2}" presName="compNode" presStyleCnt="0"/>
-      <dgm:spPr/>
-    </dgm:pt>
-    <dgm:pt modelId="{8D795D36-2257-430D-99DC-9053ECFF3C9B}" type="pres">
-      <dgm:prSet presAssocID="{1EA33570-F28E-4EE0-90AD-1F97EFA960B2}" presName="bgRect" presStyleLbl="bgShp" presStyleIdx="3" presStyleCnt="4"/>
-      <dgm:spPr/>
-    </dgm:pt>
-    <dgm:pt modelId="{AA456E12-2766-4C0B-912A-C2D5B3D1C8ED}" type="pres">
-      <dgm:prSet presAssocID="{1EA33570-F28E-4EE0-90AD-1F97EFA960B2}" presName="iconRect" presStyleLbl="node1" presStyleIdx="3" presStyleCnt="4"/>
-      <dgm:spPr>
-        <a:blipFill>
-          <a:blip xmlns:r="http://schemas.openxmlformats.org/officeDocument/2006/relationships" r:embed="rId7">
-            <a:extLst>
-              <a:ext uri="{28A0092B-C50C-407E-A947-70E740481C1C}">
-                <a14:useLocalDpi xmlns:a14="http://schemas.microsoft.com/office/drawing/2010/main" val="0"/>
-              </a:ext>
-              <a:ext uri="{96DAC541-7B7A-43D3-8B79-37D633B846F1}">
-                <asvg:svgBlip xmlns:asvg="http://schemas.microsoft.com/office/drawing/2016/SVG/main" r:embed="rId8"/>
-              </a:ext>
-            </a:extLst>
-          </a:blip>
-          <a:stretch>
-            <a:fillRect/>
-          </a:stretch>
-        </a:blipFill>
-        <a:ln>
-          <a:noFill/>
-        </a:ln>
-      </dgm:spPr>
-      <dgm:extLst>
-        <a:ext uri="{E40237B7-FDA0-4F09-8148-C483321AD2D9}">
           <dgm14:cNvPr xmlns:dgm14="http://schemas.microsoft.com/office/drawing/2010/diagram" id="0" name="" descr="E-post"/>
         </a:ext>
       </dgm:extLst>
@@ -2494,7 +2367,7 @@
       <dgm:spPr/>
     </dgm:pt>
     <dgm:pt modelId="{81CDEBE8-E46A-4671-AFDE-E8C6F24CC8E0}" type="pres">
-      <dgm:prSet presAssocID="{1EA33570-F28E-4EE0-90AD-1F97EFA960B2}" presName="parTx" presStyleLbl="revTx" presStyleIdx="3" presStyleCnt="4">
+      <dgm:prSet presAssocID="{1EA33570-F28E-4EE0-90AD-1F97EFA960B2}" presName="parTx" presStyleLbl="revTx" presStyleIdx="2" presStyleCnt="3">
         <dgm:presLayoutVars>
           <dgm:chMax val="0"/>
           <dgm:chPref val="0"/>
@@ -2506,32 +2379,24 @@
   <dgm:cxnLst>
     <dgm:cxn modelId="{7B214002-08F0-4F17-B393-B4D24C8ED88F}" type="presOf" srcId="{31D02C88-985F-445D-8FE4-5FA58DBEC515}" destId="{55D269B9-4D59-4DFD-A7B0-479620EDD71D}" srcOrd="0" destOrd="0" presId="urn:microsoft.com/office/officeart/2018/2/layout/IconVerticalSolidList"/>
     <dgm:cxn modelId="{FD1E045D-C4E5-4428-B040-D2EEA09A20F8}" type="presOf" srcId="{DD10D249-BD4E-43EB-B380-6B6CDD65CE4A}" destId="{1CC9FB53-6FF7-4E18-9C81-14FFD92EB5FA}" srcOrd="0" destOrd="0" presId="urn:microsoft.com/office/officeart/2018/2/layout/IconVerticalSolidList"/>
-    <dgm:cxn modelId="{7B84494A-3052-4D28-9F54-28DE603FB5D3}" srcId="{A121971B-3DD6-4083-9A39-D6DA724C79DC}" destId="{DD10D249-BD4E-43EB-B380-6B6CDD65CE4A}" srcOrd="1" destOrd="0" parTransId="{CABCDE0B-5484-45EC-9580-FB6618DD666C}" sibTransId="{6E69E3D7-164E-42BA-9F0D-49E39A09FEEA}"/>
-    <dgm:cxn modelId="{004BDA55-F905-4656-90E1-24670CB5606A}" type="presOf" srcId="{DCA48D0B-DFB0-4331-B877-340DA76E316A}" destId="{331BE5C6-A402-4158-92E0-6840432095C9}" srcOrd="0" destOrd="0" presId="urn:microsoft.com/office/officeart/2018/2/layout/IconVerticalSolidList"/>
-    <dgm:cxn modelId="{C27BA77F-D7BB-42AB-8EA5-749A06483976}" srcId="{A121971B-3DD6-4083-9A39-D6DA724C79DC}" destId="{31D02C88-985F-445D-8FE4-5FA58DBEC515}" srcOrd="2" destOrd="0" parTransId="{6612DEFF-0BA4-4E67-B551-45CCA7D017F6}" sibTransId="{07289643-8ABA-4E83-955A-7ABB67F0442E}"/>
+    <dgm:cxn modelId="{7B84494A-3052-4D28-9F54-28DE603FB5D3}" srcId="{A121971B-3DD6-4083-9A39-D6DA724C79DC}" destId="{DD10D249-BD4E-43EB-B380-6B6CDD65CE4A}" srcOrd="0" destOrd="0" parTransId="{CABCDE0B-5484-45EC-9580-FB6618DD666C}" sibTransId="{6E69E3D7-164E-42BA-9F0D-49E39A09FEEA}"/>
+    <dgm:cxn modelId="{C27BA77F-D7BB-42AB-8EA5-749A06483976}" srcId="{A121971B-3DD6-4083-9A39-D6DA724C79DC}" destId="{31D02C88-985F-445D-8FE4-5FA58DBEC515}" srcOrd="1" destOrd="0" parTransId="{6612DEFF-0BA4-4E67-B551-45CCA7D017F6}" sibTransId="{07289643-8ABA-4E83-955A-7ABB67F0442E}"/>
     <dgm:cxn modelId="{6883688A-BADA-45E8-A5A5-17D7498C39F5}" type="presOf" srcId="{A121971B-3DD6-4083-9A39-D6DA724C79DC}" destId="{985D90BA-1DD1-41E8-AAC1-268149A0C377}" srcOrd="0" destOrd="0" presId="urn:microsoft.com/office/officeart/2018/2/layout/IconVerticalSolidList"/>
-    <dgm:cxn modelId="{AD0946C2-604D-459D-9EAC-F04B2265DD86}" srcId="{A121971B-3DD6-4083-9A39-D6DA724C79DC}" destId="{DCA48D0B-DFB0-4331-B877-340DA76E316A}" srcOrd="0" destOrd="0" parTransId="{317D1869-E049-4714-9032-9693C998AC0A}" sibTransId="{B6049CEF-2420-4A85-AF70-4AC5FF976F2D}"/>
-    <dgm:cxn modelId="{B78889C8-E220-4CF3-81B6-608249E86370}" srcId="{A121971B-3DD6-4083-9A39-D6DA724C79DC}" destId="{1EA33570-F28E-4EE0-90AD-1F97EFA960B2}" srcOrd="3" destOrd="0" parTransId="{644E60C4-37D4-4733-899E-AC05892E866E}" sibTransId="{67009B61-146E-427B-8B3A-A2DE47D81E8A}"/>
+    <dgm:cxn modelId="{B78889C8-E220-4CF3-81B6-608249E86370}" srcId="{A121971B-3DD6-4083-9A39-D6DA724C79DC}" destId="{1EA33570-F28E-4EE0-90AD-1F97EFA960B2}" srcOrd="2" destOrd="0" parTransId="{644E60C4-37D4-4733-899E-AC05892E866E}" sibTransId="{67009B61-146E-427B-8B3A-A2DE47D81E8A}"/>
     <dgm:cxn modelId="{6D6A29F4-31CE-483C-97C0-84F869BCFED7}" type="presOf" srcId="{1EA33570-F28E-4EE0-90AD-1F97EFA960B2}" destId="{81CDEBE8-E46A-4671-AFDE-E8C6F24CC8E0}" srcOrd="0" destOrd="0" presId="urn:microsoft.com/office/officeart/2018/2/layout/IconVerticalSolidList"/>
-    <dgm:cxn modelId="{3851B134-E5D7-4FF4-89B6-0D1DCD8AEA91}" type="presParOf" srcId="{985D90BA-1DD1-41E8-AAC1-268149A0C377}" destId="{383C9BAF-C4FB-4AE1-BB3E-A904B02FC440}" srcOrd="0" destOrd="0" presId="urn:microsoft.com/office/officeart/2018/2/layout/IconVerticalSolidList"/>
-    <dgm:cxn modelId="{33B63691-2E01-4B42-9649-0A10CCE909FC}" type="presParOf" srcId="{383C9BAF-C4FB-4AE1-BB3E-A904B02FC440}" destId="{8B397972-A0FE-43C4-BA84-DF5A2E92514F}" srcOrd="0" destOrd="0" presId="urn:microsoft.com/office/officeart/2018/2/layout/IconVerticalSolidList"/>
-    <dgm:cxn modelId="{9070FDA0-9F71-428B-86A0-5691C1981DB0}" type="presParOf" srcId="{383C9BAF-C4FB-4AE1-BB3E-A904B02FC440}" destId="{7AE573C0-A1E9-425B-9777-0621EC17CA2D}" srcOrd="1" destOrd="0" presId="urn:microsoft.com/office/officeart/2018/2/layout/IconVerticalSolidList"/>
-    <dgm:cxn modelId="{67DF13BA-742C-44E3-9957-922F8F38D53D}" type="presParOf" srcId="{383C9BAF-C4FB-4AE1-BB3E-A904B02FC440}" destId="{FAFAB65A-86C2-4FDD-8EAE-1810E7E13BF9}" srcOrd="2" destOrd="0" presId="urn:microsoft.com/office/officeart/2018/2/layout/IconVerticalSolidList"/>
-    <dgm:cxn modelId="{D1F4D989-A251-4963-BBA2-D33DC6ACBE8F}" type="presParOf" srcId="{383C9BAF-C4FB-4AE1-BB3E-A904B02FC440}" destId="{331BE5C6-A402-4158-92E0-6840432095C9}" srcOrd="3" destOrd="0" presId="urn:microsoft.com/office/officeart/2018/2/layout/IconVerticalSolidList"/>
-    <dgm:cxn modelId="{38C6E5C9-8277-4ED1-A96F-254636D3C443}" type="presParOf" srcId="{985D90BA-1DD1-41E8-AAC1-268149A0C377}" destId="{76CC6573-EE5D-4B91-86AB-5F0A9700AAC8}" srcOrd="1" destOrd="0" presId="urn:microsoft.com/office/officeart/2018/2/layout/IconVerticalSolidList"/>
-    <dgm:cxn modelId="{73974C23-1BF3-4E3B-9342-9C04F3DD58E7}" type="presParOf" srcId="{985D90BA-1DD1-41E8-AAC1-268149A0C377}" destId="{FA31D7FC-5C84-46CD-B390-1E7BDF564151}" srcOrd="2" destOrd="0" presId="urn:microsoft.com/office/officeart/2018/2/layout/IconVerticalSolidList"/>
+    <dgm:cxn modelId="{73974C23-1BF3-4E3B-9342-9C04F3DD58E7}" type="presParOf" srcId="{985D90BA-1DD1-41E8-AAC1-268149A0C377}" destId="{FA31D7FC-5C84-46CD-B390-1E7BDF564151}" srcOrd="0" destOrd="0" presId="urn:microsoft.com/office/officeart/2018/2/layout/IconVerticalSolidList"/>
     <dgm:cxn modelId="{3B42A3AF-61D5-4373-B6B1-2C9A3B1BE35A}" type="presParOf" srcId="{FA31D7FC-5C84-46CD-B390-1E7BDF564151}" destId="{E26B792B-6E30-435A-BB3F-A79EF54BE4A3}" srcOrd="0" destOrd="0" presId="urn:microsoft.com/office/officeart/2018/2/layout/IconVerticalSolidList"/>
     <dgm:cxn modelId="{D6CA2139-CD40-4F14-99DB-8F689B752EEA}" type="presParOf" srcId="{FA31D7FC-5C84-46CD-B390-1E7BDF564151}" destId="{BF1CF15C-67B8-4678-9CE1-94BDD6551753}" srcOrd="1" destOrd="0" presId="urn:microsoft.com/office/officeart/2018/2/layout/IconVerticalSolidList"/>
     <dgm:cxn modelId="{FAAA19A9-4A43-4FE7-ACE5-58D926124659}" type="presParOf" srcId="{FA31D7FC-5C84-46CD-B390-1E7BDF564151}" destId="{B36C7969-7D9B-4DB6-9578-0FB91CD3DF7D}" srcOrd="2" destOrd="0" presId="urn:microsoft.com/office/officeart/2018/2/layout/IconVerticalSolidList"/>
     <dgm:cxn modelId="{F180BB8E-B07A-4B74-87D3-31CAA5CB1932}" type="presParOf" srcId="{FA31D7FC-5C84-46CD-B390-1E7BDF564151}" destId="{1CC9FB53-6FF7-4E18-9C81-14FFD92EB5FA}" srcOrd="3" destOrd="0" presId="urn:microsoft.com/office/officeart/2018/2/layout/IconVerticalSolidList"/>
-    <dgm:cxn modelId="{80609D8D-AE05-43DA-A611-19B05543631A}" type="presParOf" srcId="{985D90BA-1DD1-41E8-AAC1-268149A0C377}" destId="{27CC4F04-32AC-4B55-A49C-D33A292861D7}" srcOrd="3" destOrd="0" presId="urn:microsoft.com/office/officeart/2018/2/layout/IconVerticalSolidList"/>
-    <dgm:cxn modelId="{54501FAB-20AD-41C4-9775-4575D9D725DE}" type="presParOf" srcId="{985D90BA-1DD1-41E8-AAC1-268149A0C377}" destId="{6614B05A-AC6E-4704-B189-62CAAB6322E0}" srcOrd="4" destOrd="0" presId="urn:microsoft.com/office/officeart/2018/2/layout/IconVerticalSolidList"/>
+    <dgm:cxn modelId="{80609D8D-AE05-43DA-A611-19B05543631A}" type="presParOf" srcId="{985D90BA-1DD1-41E8-AAC1-268149A0C377}" destId="{27CC4F04-32AC-4B55-A49C-D33A292861D7}" srcOrd="1" destOrd="0" presId="urn:microsoft.com/office/officeart/2018/2/layout/IconVerticalSolidList"/>
+    <dgm:cxn modelId="{54501FAB-20AD-41C4-9775-4575D9D725DE}" type="presParOf" srcId="{985D90BA-1DD1-41E8-AAC1-268149A0C377}" destId="{6614B05A-AC6E-4704-B189-62CAAB6322E0}" srcOrd="2" destOrd="0" presId="urn:microsoft.com/office/officeart/2018/2/layout/IconVerticalSolidList"/>
     <dgm:cxn modelId="{1B206DDF-7C0F-47EB-B4EB-24C8058E605E}" type="presParOf" srcId="{6614B05A-AC6E-4704-B189-62CAAB6322E0}" destId="{22F303B8-6D48-409D-9A23-55371D32010F}" srcOrd="0" destOrd="0" presId="urn:microsoft.com/office/officeart/2018/2/layout/IconVerticalSolidList"/>
     <dgm:cxn modelId="{5232A1E5-2951-4B3D-BEC7-769AFFF1B29D}" type="presParOf" srcId="{6614B05A-AC6E-4704-B189-62CAAB6322E0}" destId="{B075977C-1DD2-4CBA-82BC-475261BCF503}" srcOrd="1" destOrd="0" presId="urn:microsoft.com/office/officeart/2018/2/layout/IconVerticalSolidList"/>
     <dgm:cxn modelId="{7433693E-DB7D-484F-BE29-7B131904EB67}" type="presParOf" srcId="{6614B05A-AC6E-4704-B189-62CAAB6322E0}" destId="{875A82A5-912B-4914-83A0-3106A10CCE85}" srcOrd="2" destOrd="0" presId="urn:microsoft.com/office/officeart/2018/2/layout/IconVerticalSolidList"/>
     <dgm:cxn modelId="{799F74FD-69A2-42B7-9CB0-23195A222F05}" type="presParOf" srcId="{6614B05A-AC6E-4704-B189-62CAAB6322E0}" destId="{55D269B9-4D59-4DFD-A7B0-479620EDD71D}" srcOrd="3" destOrd="0" presId="urn:microsoft.com/office/officeart/2018/2/layout/IconVerticalSolidList"/>
-    <dgm:cxn modelId="{D226C035-E69E-4CA7-8EEA-EBBD5654A252}" type="presParOf" srcId="{985D90BA-1DD1-41E8-AAC1-268149A0C377}" destId="{A5B7C306-89A1-48D1-BB57-64028F4B6536}" srcOrd="5" destOrd="0" presId="urn:microsoft.com/office/officeart/2018/2/layout/IconVerticalSolidList"/>
-    <dgm:cxn modelId="{A2D52387-B058-4543-9E1E-58B0191D6D7B}" type="presParOf" srcId="{985D90BA-1DD1-41E8-AAC1-268149A0C377}" destId="{4719179E-41FB-4D8E-BA28-6485C953409C}" srcOrd="6" destOrd="0" presId="urn:microsoft.com/office/officeart/2018/2/layout/IconVerticalSolidList"/>
+    <dgm:cxn modelId="{D226C035-E69E-4CA7-8EEA-EBBD5654A252}" type="presParOf" srcId="{985D90BA-1DD1-41E8-AAC1-268149A0C377}" destId="{A5B7C306-89A1-48D1-BB57-64028F4B6536}" srcOrd="3" destOrd="0" presId="urn:microsoft.com/office/officeart/2018/2/layout/IconVerticalSolidList"/>
+    <dgm:cxn modelId="{A2D52387-B058-4543-9E1E-58B0191D6D7B}" type="presParOf" srcId="{985D90BA-1DD1-41E8-AAC1-268149A0C377}" destId="{4719179E-41FB-4D8E-BA28-6485C953409C}" srcOrd="4" destOrd="0" presId="urn:microsoft.com/office/officeart/2018/2/layout/IconVerticalSolidList"/>
     <dgm:cxn modelId="{EC9DB86C-1901-47FD-8611-DE833C7A5FA5}" type="presParOf" srcId="{4719179E-41FB-4D8E-BA28-6485C953409C}" destId="{8D795D36-2257-430D-99DC-9053ECFF3C9B}" srcOrd="0" destOrd="0" presId="urn:microsoft.com/office/officeart/2018/2/layout/IconVerticalSolidList"/>
     <dgm:cxn modelId="{F70E07A2-7804-4534-B5F0-05AD92E41E6A}" type="presParOf" srcId="{4719179E-41FB-4D8E-BA28-6485C953409C}" destId="{AA456E12-2766-4C0B-912A-C2D5B3D1C8ED}" srcOrd="1" destOrd="0" presId="urn:microsoft.com/office/officeart/2018/2/layout/IconVerticalSolidList"/>
     <dgm:cxn modelId="{DE416D53-8071-434C-AE08-BD7A84105685}" type="presParOf" srcId="{4719179E-41FB-4D8E-BA28-6485C953409C}" destId="{DC44A91C-AAED-432C-A3FB-48D9F8A6D821}" srcOrd="2" destOrd="0" presId="urn:microsoft.com/office/officeart/2018/2/layout/IconVerticalSolidList"/>
@@ -2555,15 +2420,15 @@
       <dsp:cNvGrpSpPr/>
     </dsp:nvGrpSpPr>
     <dsp:grpSpPr/>
-    <dsp:sp modelId="{AB2F5582-958B-4F89-994B-A5A391F5C85F}">
+    <dsp:sp modelId="{196A4414-509C-4C5B-989C-4809BD0F2D85}">
       <dsp:nvSpPr>
         <dsp:cNvPr id="0" name=""/>
         <dsp:cNvSpPr/>
       </dsp:nvSpPr>
       <dsp:spPr>
         <a:xfrm>
-          <a:off x="0" y="50474"/>
-          <a:ext cx="4435656" cy="969637"/>
+          <a:off x="0" y="257103"/>
+          <a:ext cx="4435656" cy="1118812"/>
         </a:xfrm>
         <a:prstGeom prst="roundRect">
           <a:avLst/>
@@ -2619,12 +2484,12 @@
         </a:fontRef>
       </dsp:style>
       <dsp:txBody>
-        <a:bodyPr spcFirstLastPara="0" vert="horz" wrap="square" lIns="99060" tIns="99060" rIns="99060" bIns="99060" numCol="1" spcCol="1270" anchor="ctr" anchorCtr="0">
+        <a:bodyPr spcFirstLastPara="0" vert="horz" wrap="square" lIns="114300" tIns="114300" rIns="114300" bIns="114300" numCol="1" spcCol="1270" anchor="ctr" anchorCtr="0">
           <a:noAutofit/>
         </a:bodyPr>
         <a:lstStyle/>
         <a:p>
-          <a:pPr marL="0" lvl="0" indent="0" algn="l" defTabSz="1155700">
+          <a:pPr marL="0" lvl="0" indent="0" algn="l" defTabSz="1333500">
             <a:lnSpc>
               <a:spcPct val="90000"/>
             </a:lnSpc>
@@ -2637,25 +2502,25 @@
             <a:buNone/>
           </a:pPr>
           <a:r>
-            <a:rPr lang="en-US" sz="2600" kern="1200"/>
-            <a:t>-------------------</a:t>
+            <a:rPr lang="en-US" sz="3000" kern="1200"/>
+            <a:t>- Hva AI og ChatGPT er</a:t>
           </a:r>
         </a:p>
       </dsp:txBody>
       <dsp:txXfrm>
-        <a:off x="47334" y="97808"/>
-        <a:ext cx="4340988" cy="874969"/>
+        <a:off x="54616" y="311719"/>
+        <a:ext cx="4326424" cy="1009580"/>
       </dsp:txXfrm>
     </dsp:sp>
-    <dsp:sp modelId="{196A4414-509C-4C5B-989C-4809BD0F2D85}">
+    <dsp:sp modelId="{AF73574A-3FE1-4E80-8C73-32143D0578C8}">
       <dsp:nvSpPr>
         <dsp:cNvPr id="0" name=""/>
         <dsp:cNvSpPr/>
       </dsp:nvSpPr>
       <dsp:spPr>
         <a:xfrm>
-          <a:off x="0" y="1094992"/>
-          <a:ext cx="4435656" cy="969637"/>
+          <a:off x="0" y="1462315"/>
+          <a:ext cx="4435656" cy="1118812"/>
         </a:xfrm>
         <a:prstGeom prst="roundRect">
           <a:avLst/>
@@ -2664,18 +2529,18 @@
           <a:blip xmlns:r="http://schemas.openxmlformats.org/officeDocument/2006/relationships" r:embed="rId1">
             <a:duotone>
               <a:schemeClr val="accent5">
-                <a:hueOff val="248291"/>
-                <a:satOff val="144"/>
-                <a:lumOff val="1421"/>
+                <a:hueOff val="331055"/>
+                <a:satOff val="192"/>
+                <a:lumOff val="1895"/>
                 <a:alphaOff val="0"/>
                 <a:shade val="74000"/>
                 <a:satMod val="130000"/>
                 <a:lumMod val="90000"/>
               </a:schemeClr>
               <a:schemeClr val="accent5">
-                <a:hueOff val="248291"/>
-                <a:satOff val="144"/>
-                <a:lumOff val="1421"/>
+                <a:hueOff val="331055"/>
+                <a:satOff val="192"/>
+                <a:lumOff val="1895"/>
                 <a:alphaOff val="0"/>
                 <a:tint val="94000"/>
                 <a:satMod val="120000"/>
@@ -2711,12 +2576,12 @@
         </a:fontRef>
       </dsp:style>
       <dsp:txBody>
-        <a:bodyPr spcFirstLastPara="0" vert="horz" wrap="square" lIns="99060" tIns="99060" rIns="99060" bIns="99060" numCol="1" spcCol="1270" anchor="ctr" anchorCtr="0">
+        <a:bodyPr spcFirstLastPara="0" vert="horz" wrap="square" lIns="114300" tIns="114300" rIns="114300" bIns="114300" numCol="1" spcCol="1270" anchor="ctr" anchorCtr="0">
           <a:noAutofit/>
         </a:bodyPr>
         <a:lstStyle/>
         <a:p>
-          <a:pPr marL="0" lvl="0" indent="0" algn="l" defTabSz="1155700">
+          <a:pPr marL="0" lvl="0" indent="0" algn="l" defTabSz="1333500">
             <a:lnSpc>
               <a:spcPct val="90000"/>
             </a:lnSpc>
@@ -2729,25 +2594,25 @@
             <a:buNone/>
           </a:pPr>
           <a:r>
-            <a:rPr lang="en-US" sz="2600" kern="1200"/>
-            <a:t>- Hva AI og ChatGPT er</a:t>
+            <a:rPr lang="en-US" sz="3000" kern="1200"/>
+            <a:t>- Hvordan bruke det i hverdagen og på jobb</a:t>
           </a:r>
         </a:p>
       </dsp:txBody>
       <dsp:txXfrm>
-        <a:off x="47334" y="1142326"/>
-        <a:ext cx="4340988" cy="874969"/>
+        <a:off x="54616" y="1516931"/>
+        <a:ext cx="4326424" cy="1009580"/>
       </dsp:txXfrm>
     </dsp:sp>
-    <dsp:sp modelId="{AF73574A-3FE1-4E80-8C73-32143D0578C8}">
+    <dsp:sp modelId="{5C3D117C-0BDE-4C68-941A-D8F284E7D1E9}">
       <dsp:nvSpPr>
         <dsp:cNvPr id="0" name=""/>
         <dsp:cNvSpPr/>
       </dsp:nvSpPr>
       <dsp:spPr>
         <a:xfrm>
-          <a:off x="0" y="2139509"/>
-          <a:ext cx="4435656" cy="969637"/>
+          <a:off x="0" y="2667528"/>
+          <a:ext cx="4435656" cy="1118812"/>
         </a:xfrm>
         <a:prstGeom prst="roundRect">
           <a:avLst/>
@@ -2756,18 +2621,18 @@
           <a:blip xmlns:r="http://schemas.openxmlformats.org/officeDocument/2006/relationships" r:embed="rId1">
             <a:duotone>
               <a:schemeClr val="accent5">
-                <a:hueOff val="496582"/>
-                <a:satOff val="288"/>
-                <a:lumOff val="2843"/>
+                <a:hueOff val="662110"/>
+                <a:satOff val="384"/>
+                <a:lumOff val="3791"/>
                 <a:alphaOff val="0"/>
                 <a:shade val="74000"/>
                 <a:satMod val="130000"/>
                 <a:lumMod val="90000"/>
               </a:schemeClr>
               <a:schemeClr val="accent5">
-                <a:hueOff val="496582"/>
-                <a:satOff val="288"/>
-                <a:lumOff val="2843"/>
+                <a:hueOff val="662110"/>
+                <a:satOff val="384"/>
+                <a:lumOff val="3791"/>
                 <a:alphaOff val="0"/>
                 <a:tint val="94000"/>
                 <a:satMod val="120000"/>
@@ -2803,12 +2668,12 @@
         </a:fontRef>
       </dsp:style>
       <dsp:txBody>
-        <a:bodyPr spcFirstLastPara="0" vert="horz" wrap="square" lIns="99060" tIns="99060" rIns="99060" bIns="99060" numCol="1" spcCol="1270" anchor="ctr" anchorCtr="0">
+        <a:bodyPr spcFirstLastPara="0" vert="horz" wrap="square" lIns="114300" tIns="114300" rIns="114300" bIns="114300" numCol="1" spcCol="1270" anchor="ctr" anchorCtr="0">
           <a:noAutofit/>
         </a:bodyPr>
         <a:lstStyle/>
         <a:p>
-          <a:pPr marL="0" lvl="0" indent="0" algn="l" defTabSz="1155700">
+          <a:pPr marL="0" lvl="0" indent="0" algn="l" defTabSz="1333500">
             <a:lnSpc>
               <a:spcPct val="90000"/>
             </a:lnSpc>
@@ -2821,106 +2686,14 @@
             <a:buNone/>
           </a:pPr>
           <a:r>
-            <a:rPr lang="en-US" sz="2600" kern="1200"/>
-            <a:t>- Hvordan bruke det i hverdagen og på jobb</a:t>
-          </a:r>
-        </a:p>
-      </dsp:txBody>
-      <dsp:txXfrm>
-        <a:off x="47334" y="2186843"/>
-        <a:ext cx="4340988" cy="874969"/>
-      </dsp:txXfrm>
-    </dsp:sp>
-    <dsp:sp modelId="{5C3D117C-0BDE-4C68-941A-D8F284E7D1E9}">
-      <dsp:nvSpPr>
-        <dsp:cNvPr id="0" name=""/>
-        <dsp:cNvSpPr/>
-      </dsp:nvSpPr>
-      <dsp:spPr>
-        <a:xfrm>
-          <a:off x="0" y="3184027"/>
-          <a:ext cx="4435656" cy="969637"/>
-        </a:xfrm>
-        <a:prstGeom prst="roundRect">
-          <a:avLst/>
-        </a:prstGeom>
-        <a:blipFill rotWithShape="1">
-          <a:blip xmlns:r="http://schemas.openxmlformats.org/officeDocument/2006/relationships" r:embed="rId1">
-            <a:duotone>
-              <a:schemeClr val="accent5">
-                <a:hueOff val="744874"/>
-                <a:satOff val="432"/>
-                <a:lumOff val="4264"/>
-                <a:alphaOff val="0"/>
-                <a:shade val="74000"/>
-                <a:satMod val="130000"/>
-                <a:lumMod val="90000"/>
-              </a:schemeClr>
-              <a:schemeClr val="accent5">
-                <a:hueOff val="744874"/>
-                <a:satOff val="432"/>
-                <a:lumOff val="4264"/>
-                <a:alphaOff val="0"/>
-                <a:tint val="94000"/>
-                <a:satMod val="120000"/>
-                <a:lumMod val="104000"/>
-              </a:schemeClr>
-            </a:duotone>
-          </a:blip>
-          <a:tile tx="0" ty="0" sx="100000" sy="100000" flip="none" algn="tl"/>
-        </a:blipFill>
-        <a:ln>
-          <a:noFill/>
-        </a:ln>
-        <a:effectLst>
-          <a:innerShdw blurRad="25400" dist="12700" dir="13500000">
-            <a:srgbClr val="000000">
-              <a:alpha val="45000"/>
-            </a:srgbClr>
-          </a:innerShdw>
-        </a:effectLst>
-      </dsp:spPr>
-      <dsp:style>
-        <a:lnRef idx="0">
-          <a:scrgbClr r="0" g="0" b="0"/>
-        </a:lnRef>
-        <a:fillRef idx="3">
-          <a:scrgbClr r="0" g="0" b="0"/>
-        </a:fillRef>
-        <a:effectRef idx="2">
-          <a:scrgbClr r="0" g="0" b="0"/>
-        </a:effectRef>
-        <a:fontRef idx="minor">
-          <a:schemeClr val="lt1"/>
-        </a:fontRef>
-      </dsp:style>
-      <dsp:txBody>
-        <a:bodyPr spcFirstLastPara="0" vert="horz" wrap="square" lIns="99060" tIns="99060" rIns="99060" bIns="99060" numCol="1" spcCol="1270" anchor="ctr" anchorCtr="0">
-          <a:noAutofit/>
-        </a:bodyPr>
-        <a:lstStyle/>
-        <a:p>
-          <a:pPr marL="0" lvl="0" indent="0" algn="l" defTabSz="1155700">
-            <a:lnSpc>
-              <a:spcPct val="90000"/>
-            </a:lnSpc>
-            <a:spcBef>
-              <a:spcPct val="0"/>
-            </a:spcBef>
-            <a:spcAft>
-              <a:spcPct val="35000"/>
-            </a:spcAft>
-            <a:buNone/>
-          </a:pPr>
-          <a:r>
-            <a:rPr lang="en-US" sz="2600" kern="1200"/>
+            <a:rPr lang="en-US" sz="3000" kern="1200"/>
             <a:t>- Hvordan skrive gode prompts</a:t>
           </a:r>
         </a:p>
       </dsp:txBody>
       <dsp:txXfrm>
-        <a:off x="47334" y="3231361"/>
-        <a:ext cx="4340988" cy="874969"/>
+        <a:off x="54616" y="2722144"/>
+        <a:ext cx="4326424" cy="1009580"/>
       </dsp:txXfrm>
     </dsp:sp>
     <dsp:sp modelId="{35116424-29A7-4B0C-AD29-02F187F668CF}">
@@ -2930,8 +2703,8 @@
       </dsp:nvSpPr>
       <dsp:spPr>
         <a:xfrm>
-          <a:off x="0" y="4228544"/>
-          <a:ext cx="4435656" cy="969637"/>
+          <a:off x="0" y="3872741"/>
+          <a:ext cx="4435656" cy="1118812"/>
         </a:xfrm>
         <a:prstGeom prst="roundRect">
           <a:avLst/>
@@ -2987,12 +2760,12 @@
         </a:fontRef>
       </dsp:style>
       <dsp:txBody>
-        <a:bodyPr spcFirstLastPara="0" vert="horz" wrap="square" lIns="99060" tIns="99060" rIns="99060" bIns="99060" numCol="1" spcCol="1270" anchor="ctr" anchorCtr="0">
+        <a:bodyPr spcFirstLastPara="0" vert="horz" wrap="square" lIns="114300" tIns="114300" rIns="114300" bIns="114300" numCol="1" spcCol="1270" anchor="ctr" anchorCtr="0">
           <a:noAutofit/>
         </a:bodyPr>
         <a:lstStyle/>
         <a:p>
-          <a:pPr marL="0" lvl="0" indent="0" algn="l" defTabSz="1155700">
+          <a:pPr marL="0" lvl="0" indent="0" algn="l" defTabSz="1333500">
             <a:lnSpc>
               <a:spcPct val="90000"/>
             </a:lnSpc>
@@ -3005,14 +2778,14 @@
             <a:buNone/>
           </a:pPr>
           <a:r>
-            <a:rPr lang="en-US" sz="2600" kern="1200"/>
+            <a:rPr lang="en-US" sz="3000" kern="1200"/>
             <a:t>- At du ikke trenger teknisk bakgrunn for å bruke AI</a:t>
           </a:r>
         </a:p>
       </dsp:txBody>
       <dsp:txXfrm>
-        <a:off x="47334" y="4275878"/>
-        <a:ext cx="4340988" cy="874969"/>
+        <a:off x="54616" y="3927357"/>
+        <a:ext cx="4326424" cy="1009580"/>
       </dsp:txXfrm>
     </dsp:sp>
   </dsp:spTree>
@@ -3027,15 +2800,15 @@
       <dsp:cNvGrpSpPr/>
     </dsp:nvGrpSpPr>
     <dsp:grpSpPr/>
-    <dsp:sp modelId="{8B397972-A0FE-43C4-BA84-DF5A2E92514F}">
+    <dsp:sp modelId="{E26B792B-6E30-435A-BB3F-A79EF54BE4A3}">
       <dsp:nvSpPr>
         <dsp:cNvPr id="0" name=""/>
         <dsp:cNvSpPr/>
       </dsp:nvSpPr>
       <dsp:spPr>
         <a:xfrm>
-          <a:off x="0" y="2178"/>
-          <a:ext cx="4435656" cy="1104063"/>
+          <a:off x="0" y="640"/>
+          <a:ext cx="4435656" cy="1499250"/>
         </a:xfrm>
         <a:prstGeom prst="roundRect">
           <a:avLst>
@@ -3069,15 +2842,15 @@
         <a:fontRef idx="minor"/>
       </dsp:style>
     </dsp:sp>
-    <dsp:sp modelId="{7AE573C0-A1E9-425B-9777-0621EC17CA2D}">
+    <dsp:sp modelId="{BF1CF15C-67B8-4678-9CE1-94BDD6551753}">
       <dsp:nvSpPr>
         <dsp:cNvPr id="0" name=""/>
         <dsp:cNvSpPr/>
       </dsp:nvSpPr>
       <dsp:spPr>
         <a:xfrm>
-          <a:off x="333979" y="250592"/>
-          <a:ext cx="607234" cy="607234"/>
+          <a:off x="453523" y="337971"/>
+          <a:ext cx="824587" cy="824587"/>
         </a:xfrm>
         <a:prstGeom prst="rect">
           <a:avLst/>
@@ -3118,15 +2891,15 @@
         </a:fontRef>
       </dsp:style>
     </dsp:sp>
-    <dsp:sp modelId="{331BE5C6-A402-4158-92E0-6840432095C9}">
+    <dsp:sp modelId="{1CC9FB53-6FF7-4E18-9C81-14FFD92EB5FA}">
       <dsp:nvSpPr>
         <dsp:cNvPr id="0" name=""/>
         <dsp:cNvSpPr/>
       </dsp:nvSpPr>
       <dsp:spPr>
         <a:xfrm>
-          <a:off x="1275192" y="2178"/>
-          <a:ext cx="3160463" cy="1104063"/>
+          <a:off x="1731633" y="640"/>
+          <a:ext cx="2704022" cy="1499250"/>
         </a:xfrm>
         <a:prstGeom prst="rect">
           <a:avLst/>
@@ -3150,14 +2923,14 @@
         <a:fontRef idx="minor"/>
       </dsp:style>
       <dsp:txBody>
-        <a:bodyPr spcFirstLastPara="0" vert="horz" wrap="square" lIns="116847" tIns="116847" rIns="116847" bIns="116847" numCol="1" spcCol="1270" anchor="ctr" anchorCtr="0">
+        <a:bodyPr spcFirstLastPara="0" vert="horz" wrap="square" lIns="158671" tIns="158671" rIns="158671" bIns="158671" numCol="1" spcCol="1270" anchor="ctr" anchorCtr="0">
           <a:noAutofit/>
         </a:bodyPr>
         <a:lstStyle/>
         <a:p>
-          <a:pPr marL="0" lvl="0" indent="0" algn="l" defTabSz="977900">
+          <a:pPr marL="0" lvl="0" indent="0" algn="l" defTabSz="1111250">
             <a:lnSpc>
-              <a:spcPct val="90000"/>
+              <a:spcPct val="100000"/>
             </a:lnSpc>
             <a:spcBef>
               <a:spcPct val="0"/>
@@ -3168,25 +2941,25 @@
             <a:buNone/>
           </a:pPr>
           <a:r>
-            <a:rPr lang="en-US" sz="2200" kern="1200"/>
-            <a:t>----------------</a:t>
+            <a:rPr lang="en-US" sz="2500" kern="1200"/>
+            <a:t>- Prøv å bruke ChatGPT i små oppgaver daglig</a:t>
           </a:r>
         </a:p>
       </dsp:txBody>
       <dsp:txXfrm>
-        <a:off x="1275192" y="2178"/>
-        <a:ext cx="3160463" cy="1104063"/>
+        <a:off x="1731633" y="640"/>
+        <a:ext cx="2704022" cy="1499250"/>
       </dsp:txXfrm>
     </dsp:sp>
-    <dsp:sp modelId="{E26B792B-6E30-435A-BB3F-A79EF54BE4A3}">
+    <dsp:sp modelId="{22F303B8-6D48-409D-9A23-55371D32010F}">
       <dsp:nvSpPr>
         <dsp:cNvPr id="0" name=""/>
         <dsp:cNvSpPr/>
       </dsp:nvSpPr>
       <dsp:spPr>
         <a:xfrm>
-          <a:off x="0" y="1382257"/>
-          <a:ext cx="4435656" cy="1104063"/>
+          <a:off x="0" y="1874703"/>
+          <a:ext cx="4435656" cy="1499250"/>
         </a:xfrm>
         <a:prstGeom prst="roundRect">
           <a:avLst>
@@ -3220,15 +2993,15 @@
         <a:fontRef idx="minor"/>
       </dsp:style>
     </dsp:sp>
-    <dsp:sp modelId="{BF1CF15C-67B8-4678-9CE1-94BDD6551753}">
+    <dsp:sp modelId="{B075977C-1DD2-4CBA-82BC-475261BCF503}">
       <dsp:nvSpPr>
         <dsp:cNvPr id="0" name=""/>
         <dsp:cNvSpPr/>
       </dsp:nvSpPr>
       <dsp:spPr>
         <a:xfrm>
-          <a:off x="333979" y="1630671"/>
-          <a:ext cx="607234" cy="607234"/>
+          <a:off x="453523" y="2212034"/>
+          <a:ext cx="824587" cy="824587"/>
         </a:xfrm>
         <a:prstGeom prst="rect">
           <a:avLst/>
@@ -3269,15 +3042,15 @@
         </a:fontRef>
       </dsp:style>
     </dsp:sp>
-    <dsp:sp modelId="{1CC9FB53-6FF7-4E18-9C81-14FFD92EB5FA}">
+    <dsp:sp modelId="{55D269B9-4D59-4DFD-A7B0-479620EDD71D}">
       <dsp:nvSpPr>
         <dsp:cNvPr id="0" name=""/>
         <dsp:cNvSpPr/>
       </dsp:nvSpPr>
       <dsp:spPr>
         <a:xfrm>
-          <a:off x="1275192" y="1382257"/>
-          <a:ext cx="3160463" cy="1104063"/>
+          <a:off x="1731633" y="1874703"/>
+          <a:ext cx="2704022" cy="1499250"/>
         </a:xfrm>
         <a:prstGeom prst="rect">
           <a:avLst/>
@@ -3301,14 +3074,14 @@
         <a:fontRef idx="minor"/>
       </dsp:style>
       <dsp:txBody>
-        <a:bodyPr spcFirstLastPara="0" vert="horz" wrap="square" lIns="116847" tIns="116847" rIns="116847" bIns="116847" numCol="1" spcCol="1270" anchor="ctr" anchorCtr="0">
+        <a:bodyPr spcFirstLastPara="0" vert="horz" wrap="square" lIns="158671" tIns="158671" rIns="158671" bIns="158671" numCol="1" spcCol="1270" anchor="ctr" anchorCtr="0">
           <a:noAutofit/>
         </a:bodyPr>
         <a:lstStyle/>
         <a:p>
-          <a:pPr marL="0" lvl="0" indent="0" algn="l" defTabSz="977900">
+          <a:pPr marL="0" lvl="0" indent="0" algn="l" defTabSz="1111250">
             <a:lnSpc>
-              <a:spcPct val="90000"/>
+              <a:spcPct val="100000"/>
             </a:lnSpc>
             <a:spcBef>
               <a:spcPct val="0"/>
@@ -3319,25 +3092,25 @@
             <a:buNone/>
           </a:pPr>
           <a:r>
-            <a:rPr lang="en-US" sz="2200" kern="1200"/>
-            <a:t>- Prøv å bruke ChatGPT i små oppgaver daglig</a:t>
+            <a:rPr lang="en-US" sz="2500" kern="1200"/>
+            <a:t>- Utforsk Canva AI eller Notion AI videre</a:t>
           </a:r>
         </a:p>
       </dsp:txBody>
       <dsp:txXfrm>
-        <a:off x="1275192" y="1382257"/>
-        <a:ext cx="3160463" cy="1104063"/>
+        <a:off x="1731633" y="1874703"/>
+        <a:ext cx="2704022" cy="1499250"/>
       </dsp:txXfrm>
     </dsp:sp>
-    <dsp:sp modelId="{22F303B8-6D48-409D-9A23-55371D32010F}">
+    <dsp:sp modelId="{8D795D36-2257-430D-99DC-9053ECFF3C9B}">
       <dsp:nvSpPr>
         <dsp:cNvPr id="0" name=""/>
         <dsp:cNvSpPr/>
       </dsp:nvSpPr>
       <dsp:spPr>
         <a:xfrm>
-          <a:off x="0" y="2762336"/>
-          <a:ext cx="4435656" cy="1104063"/>
+          <a:off x="0" y="3748766"/>
+          <a:ext cx="4435656" cy="1499250"/>
         </a:xfrm>
         <a:prstGeom prst="roundRect">
           <a:avLst>
@@ -3371,15 +3144,15 @@
         <a:fontRef idx="minor"/>
       </dsp:style>
     </dsp:sp>
-    <dsp:sp modelId="{B075977C-1DD2-4CBA-82BC-475261BCF503}">
+    <dsp:sp modelId="{AA456E12-2766-4C0B-912A-C2D5B3D1C8ED}">
       <dsp:nvSpPr>
         <dsp:cNvPr id="0" name=""/>
         <dsp:cNvSpPr/>
       </dsp:nvSpPr>
       <dsp:spPr>
         <a:xfrm>
-          <a:off x="333979" y="3010750"/>
-          <a:ext cx="607234" cy="607234"/>
+          <a:off x="453523" y="4086097"/>
+          <a:ext cx="824587" cy="824587"/>
         </a:xfrm>
         <a:prstGeom prst="rect">
           <a:avLst/>
@@ -3420,15 +3193,15 @@
         </a:fontRef>
       </dsp:style>
     </dsp:sp>
-    <dsp:sp modelId="{55D269B9-4D59-4DFD-A7B0-479620EDD71D}">
+    <dsp:sp modelId="{81CDEBE8-E46A-4671-AFDE-E8C6F24CC8E0}">
       <dsp:nvSpPr>
         <dsp:cNvPr id="0" name=""/>
         <dsp:cNvSpPr/>
       </dsp:nvSpPr>
       <dsp:spPr>
         <a:xfrm>
-          <a:off x="1275192" y="2762336"/>
-          <a:ext cx="3160463" cy="1104063"/>
+          <a:off x="1731633" y="3748766"/>
+          <a:ext cx="2704022" cy="1499250"/>
         </a:xfrm>
         <a:prstGeom prst="rect">
           <a:avLst/>
@@ -3452,14 +3225,14 @@
         <a:fontRef idx="minor"/>
       </dsp:style>
       <dsp:txBody>
-        <a:bodyPr spcFirstLastPara="0" vert="horz" wrap="square" lIns="116847" tIns="116847" rIns="116847" bIns="116847" numCol="1" spcCol="1270" anchor="ctr" anchorCtr="0">
+        <a:bodyPr spcFirstLastPara="0" vert="horz" wrap="square" lIns="158671" tIns="158671" rIns="158671" bIns="158671" numCol="1" spcCol="1270" anchor="ctr" anchorCtr="0">
           <a:noAutofit/>
         </a:bodyPr>
         <a:lstStyle/>
         <a:p>
-          <a:pPr marL="0" lvl="0" indent="0" algn="l" defTabSz="977900">
+          <a:pPr marL="0" lvl="0" indent="0" algn="l" defTabSz="1111250">
             <a:lnSpc>
-              <a:spcPct val="90000"/>
+              <a:spcPct val="100000"/>
             </a:lnSpc>
             <a:spcBef>
               <a:spcPct val="0"/>
@@ -3470,165 +3243,14 @@
             <a:buNone/>
           </a:pPr>
           <a:r>
-            <a:rPr lang="en-US" sz="2200" kern="1200"/>
-            <a:t>- Utforsk Canva AI eller Notion AI videre</a:t>
-          </a:r>
-        </a:p>
-      </dsp:txBody>
-      <dsp:txXfrm>
-        <a:off x="1275192" y="2762336"/>
-        <a:ext cx="3160463" cy="1104063"/>
-      </dsp:txXfrm>
-    </dsp:sp>
-    <dsp:sp modelId="{8D795D36-2257-430D-99DC-9053ECFF3C9B}">
-      <dsp:nvSpPr>
-        <dsp:cNvPr id="0" name=""/>
-        <dsp:cNvSpPr/>
-      </dsp:nvSpPr>
-      <dsp:spPr>
-        <a:xfrm>
-          <a:off x="0" y="4142415"/>
-          <a:ext cx="4435656" cy="1104063"/>
-        </a:xfrm>
-        <a:prstGeom prst="roundRect">
-          <a:avLst>
-            <a:gd name="adj" fmla="val 10000"/>
-          </a:avLst>
-        </a:prstGeom>
-        <a:solidFill>
-          <a:schemeClr val="bg1">
-            <a:lumMod val="95000"/>
-            <a:hueOff val="0"/>
-            <a:satOff val="0"/>
-            <a:lumOff val="0"/>
-            <a:alphaOff val="0"/>
-          </a:schemeClr>
-        </a:solidFill>
-        <a:ln>
-          <a:noFill/>
-        </a:ln>
-        <a:effectLst/>
-      </dsp:spPr>
-      <dsp:style>
-        <a:lnRef idx="0">
-          <a:scrgbClr r="0" g="0" b="0"/>
-        </a:lnRef>
-        <a:fillRef idx="1">
-          <a:scrgbClr r="0" g="0" b="0"/>
-        </a:fillRef>
-        <a:effectRef idx="0">
-          <a:scrgbClr r="0" g="0" b="0"/>
-        </a:effectRef>
-        <a:fontRef idx="minor"/>
-      </dsp:style>
-    </dsp:sp>
-    <dsp:sp modelId="{AA456E12-2766-4C0B-912A-C2D5B3D1C8ED}">
-      <dsp:nvSpPr>
-        <dsp:cNvPr id="0" name=""/>
-        <dsp:cNvSpPr/>
-      </dsp:nvSpPr>
-      <dsp:spPr>
-        <a:xfrm>
-          <a:off x="333979" y="4390829"/>
-          <a:ext cx="607234" cy="607234"/>
-        </a:xfrm>
-        <a:prstGeom prst="rect">
-          <a:avLst/>
-        </a:prstGeom>
-        <a:blipFill>
-          <a:blip xmlns:r="http://schemas.openxmlformats.org/officeDocument/2006/relationships" r:embed="rId7">
-            <a:extLst>
-              <a:ext uri="{28A0092B-C50C-407E-A947-70E740481C1C}">
-                <a14:useLocalDpi xmlns:a14="http://schemas.microsoft.com/office/drawing/2010/main" val="0"/>
-              </a:ext>
-              <a:ext uri="{96DAC541-7B7A-43D3-8B79-37D633B846F1}">
-                <asvg:svgBlip xmlns:asvg="http://schemas.microsoft.com/office/drawing/2016/SVG/main" r:embed="rId8"/>
-              </a:ext>
-            </a:extLst>
-          </a:blip>
-          <a:stretch>
-            <a:fillRect/>
-          </a:stretch>
-        </a:blipFill>
-        <a:ln w="15875" cap="rnd" cmpd="sng" algn="ctr">
-          <a:noFill/>
-          <a:prstDash val="solid"/>
-        </a:ln>
-        <a:effectLst/>
-      </dsp:spPr>
-      <dsp:style>
-        <a:lnRef idx="2">
-          <a:scrgbClr r="0" g="0" b="0"/>
-        </a:lnRef>
-        <a:fillRef idx="1">
-          <a:scrgbClr r="0" g="0" b="0"/>
-        </a:fillRef>
-        <a:effectRef idx="0">
-          <a:scrgbClr r="0" g="0" b="0"/>
-        </a:effectRef>
-        <a:fontRef idx="minor">
-          <a:schemeClr val="lt1"/>
-        </a:fontRef>
-      </dsp:style>
-    </dsp:sp>
-    <dsp:sp modelId="{81CDEBE8-E46A-4671-AFDE-E8C6F24CC8E0}">
-      <dsp:nvSpPr>
-        <dsp:cNvPr id="0" name=""/>
-        <dsp:cNvSpPr/>
-      </dsp:nvSpPr>
-      <dsp:spPr>
-        <a:xfrm>
-          <a:off x="1275192" y="4142415"/>
-          <a:ext cx="3160463" cy="1104063"/>
-        </a:xfrm>
-        <a:prstGeom prst="rect">
-          <a:avLst/>
-        </a:prstGeom>
-        <a:noFill/>
-        <a:ln>
-          <a:noFill/>
-        </a:ln>
-        <a:effectLst/>
-      </dsp:spPr>
-      <dsp:style>
-        <a:lnRef idx="0">
-          <a:scrgbClr r="0" g="0" b="0"/>
-        </a:lnRef>
-        <a:fillRef idx="0">
-          <a:scrgbClr r="0" g="0" b="0"/>
-        </a:fillRef>
-        <a:effectRef idx="0">
-          <a:scrgbClr r="0" g="0" b="0"/>
-        </a:effectRef>
-        <a:fontRef idx="minor"/>
-      </dsp:style>
-      <dsp:txBody>
-        <a:bodyPr spcFirstLastPara="0" vert="horz" wrap="square" lIns="116847" tIns="116847" rIns="116847" bIns="116847" numCol="1" spcCol="1270" anchor="ctr" anchorCtr="0">
-          <a:noAutofit/>
-        </a:bodyPr>
-        <a:lstStyle/>
-        <a:p>
-          <a:pPr marL="0" lvl="0" indent="0" algn="l" defTabSz="977900">
-            <a:lnSpc>
-              <a:spcPct val="90000"/>
-            </a:lnSpc>
-            <a:spcBef>
-              <a:spcPct val="0"/>
-            </a:spcBef>
-            <a:spcAft>
-              <a:spcPct val="35000"/>
-            </a:spcAft>
-            <a:buNone/>
-          </a:pPr>
-          <a:r>
-            <a:rPr lang="en-US" sz="2200" kern="1200"/>
+            <a:rPr lang="en-US" sz="2500" kern="1200"/>
             <a:t>- Meld deg på nyhetsbrev eller følg AI-kanaler</a:t>
           </a:r>
         </a:p>
       </dsp:txBody>
       <dsp:txXfrm>
-        <a:off x="1275192" y="4142415"/>
-        <a:ext cx="3160463" cy="1104063"/>
+        <a:off x="1731633" y="3748766"/>
+        <a:ext cx="2704022" cy="1499250"/>
       </dsp:txXfrm>
     </dsp:sp>
   </dsp:spTree>
@@ -6495,7 +6117,7 @@
           <a:p>
             <a:fld id="{5BCAD085-E8A6-8845-BD4E-CB4CCA059FC4}" type="datetimeFigureOut">
               <a:rPr lang="en-US" smtClean="0"/>
-              <a:t>6/19/2025</a:t>
+              <a:t>6/27/2025</a:t>
             </a:fld>
             <a:endParaRPr lang="en-US"/>
           </a:p>
@@ -6819,7 +6441,7 @@
           <a:p>
             <a:fld id="{5BCAD085-E8A6-8845-BD4E-CB4CCA059FC4}" type="datetimeFigureOut">
               <a:rPr lang="en-US" smtClean="0"/>
-              <a:t>6/19/2025</a:t>
+              <a:t>6/27/2025</a:t>
             </a:fld>
             <a:endParaRPr lang="en-US"/>
           </a:p>
@@ -7067,7 +6689,7 @@
           <a:p>
             <a:fld id="{5BCAD085-E8A6-8845-BD4E-CB4CCA059FC4}" type="datetimeFigureOut">
               <a:rPr lang="en-US" smtClean="0"/>
-              <a:t>6/19/2025</a:t>
+              <a:t>6/27/2025</a:t>
             </a:fld>
             <a:endParaRPr lang="en-US"/>
           </a:p>
@@ -7406,7 +7028,7 @@
           <a:p>
             <a:fld id="{5BCAD085-E8A6-8845-BD4E-CB4CCA059FC4}" type="datetimeFigureOut">
               <a:rPr lang="en-US" smtClean="0"/>
-              <a:t>6/19/2025</a:t>
+              <a:t>6/27/2025</a:t>
             </a:fld>
             <a:endParaRPr lang="en-US"/>
           </a:p>
@@ -7753,7 +7375,7 @@
           <a:p>
             <a:fld id="{5BCAD085-E8A6-8845-BD4E-CB4CCA059FC4}" type="datetimeFigureOut">
               <a:rPr lang="en-US" smtClean="0"/>
-              <a:t>6/19/2025</a:t>
+              <a:t>6/27/2025</a:t>
             </a:fld>
             <a:endParaRPr lang="en-US"/>
           </a:p>
@@ -8127,7 +7749,7 @@
           <a:p>
             <a:fld id="{5BCAD085-E8A6-8845-BD4E-CB4CCA059FC4}" type="datetimeFigureOut">
               <a:rPr lang="en-US" smtClean="0"/>
-              <a:t>6/19/2025</a:t>
+              <a:t>6/27/2025</a:t>
             </a:fld>
             <a:endParaRPr lang="en-US"/>
           </a:p>
@@ -8597,7 +8219,7 @@
           <a:p>
             <a:fld id="{5BCAD085-E8A6-8845-BD4E-CB4CCA059FC4}" type="datetimeFigureOut">
               <a:rPr lang="en-US" smtClean="0"/>
-              <a:t>6/19/2025</a:t>
+              <a:t>6/27/2025</a:t>
             </a:fld>
             <a:endParaRPr lang="en-US"/>
           </a:p>
@@ -8807,7 +8429,7 @@
           <a:p>
             <a:fld id="{5BCAD085-E8A6-8845-BD4E-CB4CCA059FC4}" type="datetimeFigureOut">
               <a:rPr lang="en-US" smtClean="0"/>
-              <a:t>6/19/2025</a:t>
+              <a:t>6/27/2025</a:t>
             </a:fld>
             <a:endParaRPr lang="en-US"/>
           </a:p>
@@ -9018,7 +8640,7 @@
           <a:p>
             <a:fld id="{5BCAD085-E8A6-8845-BD4E-CB4CCA059FC4}" type="datetimeFigureOut">
               <a:rPr lang="en-US" smtClean="0"/>
-              <a:t>6/19/2025</a:t>
+              <a:t>6/27/2025</a:t>
             </a:fld>
             <a:endParaRPr lang="en-US"/>
           </a:p>
@@ -9250,7 +8872,7 @@
           <a:p>
             <a:fld id="{5BCAD085-E8A6-8845-BD4E-CB4CCA059FC4}" type="datetimeFigureOut">
               <a:rPr lang="en-US" smtClean="0"/>
-              <a:t>6/19/2025</a:t>
+              <a:t>6/27/2025</a:t>
             </a:fld>
             <a:endParaRPr lang="en-US"/>
           </a:p>
@@ -9498,7 +9120,7 @@
           <a:p>
             <a:fld id="{5BCAD085-E8A6-8845-BD4E-CB4CCA059FC4}" type="datetimeFigureOut">
               <a:rPr lang="en-US" smtClean="0"/>
-              <a:t>6/19/2025</a:t>
+              <a:t>6/27/2025</a:t>
             </a:fld>
             <a:endParaRPr lang="en-US"/>
           </a:p>
@@ -9801,7 +9423,7 @@
           <a:p>
             <a:fld id="{5BCAD085-E8A6-8845-BD4E-CB4CCA059FC4}" type="datetimeFigureOut">
               <a:rPr lang="en-US" smtClean="0"/>
-              <a:t>6/19/2025</a:t>
+              <a:t>6/27/2025</a:t>
             </a:fld>
             <a:endParaRPr lang="en-US"/>
           </a:p>
@@ -10183,7 +9805,7 @@
           <a:p>
             <a:fld id="{5BCAD085-E8A6-8845-BD4E-CB4CCA059FC4}" type="datetimeFigureOut">
               <a:rPr lang="en-US" smtClean="0"/>
-              <a:t>6/19/2025</a:t>
+              <a:t>6/27/2025</a:t>
             </a:fld>
             <a:endParaRPr lang="en-US"/>
           </a:p>
@@ -10337,7 +9959,7 @@
           <a:p>
             <a:fld id="{5BCAD085-E8A6-8845-BD4E-CB4CCA059FC4}" type="datetimeFigureOut">
               <a:rPr lang="en-US" smtClean="0"/>
-              <a:t>6/19/2025</a:t>
+              <a:t>6/27/2025</a:t>
             </a:fld>
             <a:endParaRPr lang="en-US"/>
           </a:p>
@@ -10463,7 +10085,7 @@
           <a:p>
             <a:fld id="{5BCAD085-E8A6-8845-BD4E-CB4CCA059FC4}" type="datetimeFigureOut">
               <a:rPr lang="en-US" smtClean="0"/>
-              <a:t>6/19/2025</a:t>
+              <a:t>6/27/2025</a:t>
             </a:fld>
             <a:endParaRPr lang="en-US"/>
           </a:p>
@@ -10718,7 +10340,7 @@
           <a:p>
             <a:fld id="{5BCAD085-E8A6-8845-BD4E-CB4CCA059FC4}" type="datetimeFigureOut">
               <a:rPr lang="en-US" smtClean="0"/>
-              <a:t>6/19/2025</a:t>
+              <a:t>6/27/2025</a:t>
             </a:fld>
             <a:endParaRPr lang="en-US"/>
           </a:p>
@@ -11032,7 +10654,7 @@
           <a:p>
             <a:fld id="{5BCAD085-E8A6-8845-BD4E-CB4CCA059FC4}" type="datetimeFigureOut">
               <a:rPr lang="en-US" smtClean="0"/>
-              <a:t>6/19/2025</a:t>
+              <a:t>6/27/2025</a:t>
             </a:fld>
             <a:endParaRPr lang="en-US"/>
           </a:p>
@@ -11383,7 +11005,7 @@
           <a:p>
             <a:fld id="{5BCAD085-E8A6-8845-BD4E-CB4CCA059FC4}" type="datetimeFigureOut">
               <a:rPr lang="en-US" smtClean="0"/>
-              <a:t>6/19/2025</a:t>
+              <a:t>6/27/2025</a:t>
             </a:fld>
             <a:endParaRPr lang="en-US"/>
           </a:p>
@@ -12790,7 +12412,7 @@
             <p:ph idx="1"/>
             <p:extLst>
               <p:ext uri="{D42A27DB-BD31-4B8C-83A1-F6EECF244321}">
-                <p14:modId xmlns:p14="http://schemas.microsoft.com/office/powerpoint/2010/main" val="3738402983"/>
+                <p14:modId xmlns:p14="http://schemas.microsoft.com/office/powerpoint/2010/main" val="1305733809"/>
               </p:ext>
             </p:extLst>
           </p:nvPr>
@@ -13147,7 +12769,7 @@
             <p:ph idx="1"/>
             <p:extLst>
               <p:ext uri="{D42A27DB-BD31-4B8C-83A1-F6EECF244321}">
-                <p14:modId xmlns:p14="http://schemas.microsoft.com/office/powerpoint/2010/main" val="1178845857"/>
+                <p14:modId xmlns:p14="http://schemas.microsoft.com/office/powerpoint/2010/main" val="3831650525"/>
               </p:ext>
             </p:extLst>
           </p:nvPr>
@@ -13221,52 +12843,149 @@
         <p:spPr/>
         <p:txBody>
           <a:bodyPr>
-            <a:normAutofit fontScale="70000" lnSpcReduction="20000"/>
+            <a:normAutofit fontScale="92500" lnSpcReduction="10000"/>
           </a:bodyPr>
           <a:lstStyle/>
           <a:p>
             <a:r>
-              <a:t>----------------------------</a:t>
-            </a:r>
-          </a:p>
-          <a:p>
-            <a:r>
+              <a:rPr dirty="0"/>
               <a:t>- https://chat.openai.com</a:t>
             </a:r>
           </a:p>
           <a:p>
             <a:r>
+              <a:rPr dirty="0"/>
               <a:t>- https://www.canva.com</a:t>
             </a:r>
           </a:p>
           <a:p>
             <a:r>
+              <a:rPr dirty="0"/>
               <a:t>- https://www.notion.so</a:t>
             </a:r>
           </a:p>
           <a:p>
             <a:r>
-              <a:t>- YouTube: Søk etter “ChatGPT for beginners”</a:t>
-            </a:r>
-          </a:p>
-          <a:p>
-            <a:r>
-              <a:t>Avslutning:</a:t>
-            </a:r>
-          </a:p>
-          <a:p>
-            <a:r>
-              <a:t>-----------</a:t>
-            </a:r>
-          </a:p>
-          <a:p>
-            <a:r>
-              <a:t>Takk for at du tok kurset!</a:t>
-            </a:r>
-          </a:p>
-          <a:p>
-            <a:r>
-              <a:t>Husk: det viktigste er å bruke AI som et hjelpemiddel – du trenger ikke være ekspert.</a:t>
+              <a:rPr dirty="0"/>
+              <a:t>- YouTube: </a:t>
+            </a:r>
+            <a:r>
+              <a:rPr dirty="0" err="1"/>
+              <a:t>Søk</a:t>
+            </a:r>
+            <a:r>
+              <a:rPr dirty="0"/>
+              <a:t> </a:t>
+            </a:r>
+            <a:r>
+              <a:rPr dirty="0" err="1"/>
+              <a:t>etter</a:t>
+            </a:r>
+            <a:r>
+              <a:rPr dirty="0"/>
+              <a:t> “ChatGPT for beginners”</a:t>
+            </a:r>
+          </a:p>
+          <a:p>
+            <a:pPr marL="0" indent="0">
+              <a:buNone/>
+            </a:pPr>
+            <a:endParaRPr dirty="0"/>
+          </a:p>
+          <a:p>
+            <a:r>
+              <a:rPr dirty="0" err="1"/>
+              <a:t>Takk</a:t>
+            </a:r>
+            <a:r>
+              <a:rPr dirty="0"/>
+              <a:t> for at du </a:t>
+            </a:r>
+            <a:r>
+              <a:rPr dirty="0" err="1"/>
+              <a:t>tok</a:t>
+            </a:r>
+            <a:r>
+              <a:rPr dirty="0"/>
+              <a:t> </a:t>
+            </a:r>
+            <a:r>
+              <a:rPr dirty="0" err="1"/>
+              <a:t>kurset</a:t>
+            </a:r>
+            <a:r>
+              <a:rPr dirty="0"/>
+              <a:t>!</a:t>
+            </a:r>
+          </a:p>
+          <a:p>
+            <a:r>
+              <a:rPr dirty="0"/>
+              <a:t>Husk: det </a:t>
+            </a:r>
+            <a:r>
+              <a:rPr dirty="0" err="1"/>
+              <a:t>viktigste</a:t>
+            </a:r>
+            <a:r>
+              <a:rPr dirty="0"/>
+              <a:t> er å </a:t>
+            </a:r>
+            <a:r>
+              <a:rPr dirty="0" err="1"/>
+              <a:t>bruke</a:t>
+            </a:r>
+            <a:r>
+              <a:rPr dirty="0"/>
+              <a:t> AI </a:t>
+            </a:r>
+            <a:r>
+              <a:rPr dirty="0" err="1"/>
+              <a:t>som</a:t>
+            </a:r>
+            <a:r>
+              <a:rPr dirty="0"/>
+              <a:t> et </a:t>
+            </a:r>
+            <a:r>
+              <a:rPr dirty="0" err="1"/>
+              <a:t>hjelpemiddel</a:t>
+            </a:r>
+            <a:r>
+              <a:rPr dirty="0"/>
+              <a:t> – du </a:t>
+            </a:r>
+            <a:r>
+              <a:rPr dirty="0" err="1"/>
+              <a:t>trenger</a:t>
+            </a:r>
+            <a:r>
+              <a:rPr dirty="0"/>
+              <a:t> </a:t>
+            </a:r>
+            <a:r>
+              <a:rPr dirty="0" err="1"/>
+              <a:t>ikke</a:t>
+            </a:r>
+            <a:r>
+              <a:rPr dirty="0"/>
+              <a:t> </a:t>
+            </a:r>
+            <a:r>
+              <a:rPr dirty="0" err="1"/>
+              <a:t>være</a:t>
+            </a:r>
+            <a:r>
+              <a:rPr dirty="0"/>
+              <a:t> </a:t>
+            </a:r>
+            <a:r>
+              <a:rPr dirty="0" err="1"/>
+              <a:t>ekspert</a:t>
+            </a:r>
+            <a:r>
+              <a:rPr dirty="0"/>
+              <a:t>.</a:t>
             </a:r>
           </a:p>
         </p:txBody>
@@ -13332,13 +13051,79 @@
           <a:bodyPr/>
           <a:lstStyle/>
           <a:p>
-            <a:r>
-              <a:t>--------</a:t>
-            </a:r>
-          </a:p>
-          <a:p>
-            <a:r>
-              <a:t>Sett deg et mål for hvordan du kan bruke AI i hverdagen denne uken.</a:t>
+            <a:pPr marL="0" indent="0">
+              <a:buNone/>
+            </a:pPr>
+            <a:endParaRPr dirty="0"/>
+          </a:p>
+          <a:p>
+            <a:r>
+              <a:rPr dirty="0"/>
+              <a:t>Sett deg et </a:t>
+            </a:r>
+            <a:r>
+              <a:rPr dirty="0" err="1"/>
+              <a:t>mål</a:t>
+            </a:r>
+            <a:r>
+              <a:rPr dirty="0"/>
+              <a:t> for </a:t>
+            </a:r>
+            <a:r>
+              <a:rPr dirty="0" err="1"/>
+              <a:t>hvordan</a:t>
+            </a:r>
+            <a:r>
+              <a:rPr dirty="0"/>
+              <a:t> du </a:t>
+            </a:r>
+            <a:r>
+              <a:rPr dirty="0" err="1"/>
+              <a:t>kan</a:t>
+            </a:r>
+            <a:r>
+              <a:rPr dirty="0"/>
+              <a:t> </a:t>
+            </a:r>
+            <a:r>
+              <a:rPr dirty="0" err="1"/>
+              <a:t>bruke</a:t>
+            </a:r>
+            <a:r>
+              <a:rPr dirty="0"/>
+              <a:t> AI </a:t>
+            </a:r>
+            <a:r>
+              <a:rPr dirty="0" err="1"/>
+              <a:t>i</a:t>
+            </a:r>
+            <a:r>
+              <a:rPr dirty="0"/>
+              <a:t> </a:t>
+            </a:r>
+            <a:r>
+              <a:rPr dirty="0" err="1"/>
+              <a:t>hverdagen</a:t>
+            </a:r>
+            <a:r>
+              <a:rPr dirty="0"/>
+              <a:t> </a:t>
+            </a:r>
+            <a:r>
+              <a:rPr dirty="0" err="1"/>
+              <a:t>denne</a:t>
+            </a:r>
+            <a:r>
+              <a:rPr dirty="0"/>
+              <a:t> </a:t>
+            </a:r>
+            <a:r>
+              <a:rPr dirty="0" err="1"/>
+              <a:t>uken</a:t>
+            </a:r>
+            <a:r>
+              <a:rPr dirty="0"/>
+              <a:t>.</a:t>
             </a:r>
           </a:p>
         </p:txBody>
